--- a/project/Cryptocurrency exchange.pptx
+++ b/project/Cryptocurrency exchange.pptx
@@ -15,21 +15,29 @@
     <p:sldId id="260" r:id="rId10"/>
     <p:sldId id="261" r:id="rId11"/>
     <p:sldId id="262" r:id="rId12"/>
+    <p:sldId id="263" r:id="rId13"/>
+    <p:sldId id="264" r:id="rId14"/>
+    <p:sldId id="265" r:id="rId15"/>
+    <p:sldId id="266" r:id="rId16"/>
+    <p:sldId id="267" r:id="rId17"/>
+    <p:sldId id="268" r:id="rId18"/>
+    <p:sldId id="269" r:id="rId19"/>
+    <p:sldId id="270" r:id="rId20"/>
   </p:sldIdLst>
   <p:sldSz cy="5143500" cx="9144000"/>
   <p:notesSz cx="6858000" cy="9144000"/>
   <p:embeddedFontLst>
     <p:embeddedFont>
       <p:font typeface="Nunito"/>
-      <p:regular r:id="rId13"/>
-      <p:bold r:id="rId14"/>
-      <p:italic r:id="rId15"/>
-      <p:boldItalic r:id="rId16"/>
+      <p:regular r:id="rId21"/>
+      <p:bold r:id="rId22"/>
+      <p:italic r:id="rId23"/>
+      <p:boldItalic r:id="rId24"/>
     </p:embeddedFont>
     <p:embeddedFont>
       <p:font typeface="Maven Pro"/>
-      <p:regular r:id="rId17"/>
-      <p:bold r:id="rId18"/>
+      <p:regular r:id="rId25"/>
+      <p:bold r:id="rId26"/>
     </p:embeddedFont>
   </p:embeddedFontLst>
   <p:defaultTextStyle>
@@ -805,6 +813,600 @@
 </p:notes>
 </file>
 
+<file path=ppt/notesSlides/notesSlide10.xml><?xml version="1.0" encoding="utf-8"?>
+<p:notes xmlns:a="http://schemas.openxmlformats.org/drawingml/2006/main" xmlns:r="http://schemas.openxmlformats.org/officeDocument/2006/relationships" xmlns:mc="http://schemas.openxmlformats.org/markup-compatibility/2006" xmlns:mv="urn:schemas-microsoft-com:mac:vml" xmlns:p="http://schemas.openxmlformats.org/presentationml/2006/main" xmlns:c="http://schemas.openxmlformats.org/drawingml/2006/chart" xmlns:dgm="http://schemas.openxmlformats.org/drawingml/2006/diagram" xmlns:o="urn:schemas-microsoft-com:office:office" xmlns:v="urn:schemas-microsoft-com:vml" xmlns:pvml="urn:schemas-microsoft-com:office:powerpoint" xmlns:com="http://schemas.openxmlformats.org/drawingml/2006/compatibility" xmlns:p14="http://schemas.microsoft.com/office/powerpoint/2010/main" xmlns:p15="http://schemas.microsoft.com/office/powerpoint/2012/main" xmlns:ahyp="http://schemas.microsoft.com/office/drawing/2018/hyperlinkcolor" showMasterPhAnim="0" showMasterSp="0">
+  <p:cSld>
+    <p:spTree>
+      <p:nvGrpSpPr>
+        <p:cNvPr id="330" name="Shape 330"/>
+        <p:cNvGrpSpPr/>
+        <p:nvPr/>
+      </p:nvGrpSpPr>
+      <p:grpSpPr>
+        <a:xfrm>
+          <a:off x="0" y="0"/>
+          <a:ext cx="0" cy="0"/>
+          <a:chOff x="0" y="0"/>
+          <a:chExt cx="0" cy="0"/>
+        </a:xfrm>
+      </p:grpSpPr>
+      <p:sp>
+        <p:nvSpPr>
+          <p:cNvPr id="331" name="Google Shape;331;gbfcf5cc53d_0_1:notes"/>
+          <p:cNvSpPr/>
+          <p:nvPr>
+            <p:ph idx="2" type="sldImg"/>
+          </p:nvPr>
+        </p:nvSpPr>
+        <p:spPr>
+          <a:xfrm>
+            <a:off x="381300" y="685800"/>
+            <a:ext cx="6096000" cy="3429000"/>
+          </a:xfrm>
+          <a:custGeom>
+            <a:rect b="b" l="l" r="r" t="t"/>
+            <a:pathLst>
+              <a:path extrusionOk="0" h="120000" w="120000">
+                <a:moveTo>
+                  <a:pt x="0" y="0"/>
+                </a:moveTo>
+                <a:lnTo>
+                  <a:pt x="120000" y="0"/>
+                </a:lnTo>
+                <a:lnTo>
+                  <a:pt x="120000" y="120000"/>
+                </a:lnTo>
+                <a:lnTo>
+                  <a:pt x="0" y="120000"/>
+                </a:lnTo>
+                <a:close/>
+              </a:path>
+            </a:pathLst>
+          </a:custGeom>
+        </p:spPr>
+      </p:sp>
+      <p:sp>
+        <p:nvSpPr>
+          <p:cNvPr id="332" name="Google Shape;332;gbfcf5cc53d_0_1:notes"/>
+          <p:cNvSpPr txBox="1"/>
+          <p:nvPr>
+            <p:ph idx="1" type="body"/>
+          </p:nvPr>
+        </p:nvSpPr>
+        <p:spPr>
+          <a:xfrm>
+            <a:off x="685800" y="4343400"/>
+            <a:ext cx="5486400" cy="4114800"/>
+          </a:xfrm>
+          <a:prstGeom prst="rect">
+            <a:avLst/>
+          </a:prstGeom>
+        </p:spPr>
+        <p:txBody>
+          <a:bodyPr anchorCtr="0" anchor="t" bIns="91425" lIns="91425" spcFirstLastPara="1" rIns="91425" wrap="square" tIns="91425">
+            <a:noAutofit/>
+          </a:bodyPr>
+          <a:lstStyle/>
+          <a:p>
+            <a:pPr indent="0" lvl="0" marL="0" rtl="0" algn="l">
+              <a:spcBef>
+                <a:spcPts val="0"/>
+              </a:spcBef>
+              <a:spcAft>
+                <a:spcPts val="0"/>
+              </a:spcAft>
+              <a:buNone/>
+            </a:pPr>
+            <a:r>
+              <a:t/>
+            </a:r>
+            <a:endParaRPr/>
+          </a:p>
+        </p:txBody>
+      </p:sp>
+    </p:spTree>
+  </p:cSld>
+  <p:clrMapOvr>
+    <a:masterClrMapping/>
+  </p:clrMapOvr>
+</p:notes>
+</file>
+
+<file path=ppt/notesSlides/notesSlide11.xml><?xml version="1.0" encoding="utf-8"?>
+<p:notes xmlns:a="http://schemas.openxmlformats.org/drawingml/2006/main" xmlns:r="http://schemas.openxmlformats.org/officeDocument/2006/relationships" xmlns:mc="http://schemas.openxmlformats.org/markup-compatibility/2006" xmlns:mv="urn:schemas-microsoft-com:mac:vml" xmlns:p="http://schemas.openxmlformats.org/presentationml/2006/main" xmlns:c="http://schemas.openxmlformats.org/drawingml/2006/chart" xmlns:dgm="http://schemas.openxmlformats.org/drawingml/2006/diagram" xmlns:o="urn:schemas-microsoft-com:office:office" xmlns:v="urn:schemas-microsoft-com:vml" xmlns:pvml="urn:schemas-microsoft-com:office:powerpoint" xmlns:com="http://schemas.openxmlformats.org/drawingml/2006/compatibility" xmlns:p14="http://schemas.microsoft.com/office/powerpoint/2010/main" xmlns:p15="http://schemas.microsoft.com/office/powerpoint/2012/main" xmlns:ahyp="http://schemas.microsoft.com/office/drawing/2018/hyperlinkcolor" showMasterPhAnim="0" showMasterSp="0">
+  <p:cSld>
+    <p:spTree>
+      <p:nvGrpSpPr>
+        <p:cNvPr id="336" name="Shape 336"/>
+        <p:cNvGrpSpPr/>
+        <p:nvPr/>
+      </p:nvGrpSpPr>
+      <p:grpSpPr>
+        <a:xfrm>
+          <a:off x="0" y="0"/>
+          <a:ext cx="0" cy="0"/>
+          <a:chOff x="0" y="0"/>
+          <a:chExt cx="0" cy="0"/>
+        </a:xfrm>
+      </p:grpSpPr>
+      <p:sp>
+        <p:nvSpPr>
+          <p:cNvPr id="337" name="Google Shape;337;gbfcf5cc53d_0_16:notes"/>
+          <p:cNvSpPr/>
+          <p:nvPr>
+            <p:ph idx="2" type="sldImg"/>
+          </p:nvPr>
+        </p:nvSpPr>
+        <p:spPr>
+          <a:xfrm>
+            <a:off x="381300" y="685800"/>
+            <a:ext cx="6096000" cy="3429000"/>
+          </a:xfrm>
+          <a:custGeom>
+            <a:rect b="b" l="l" r="r" t="t"/>
+            <a:pathLst>
+              <a:path extrusionOk="0" h="120000" w="120000">
+                <a:moveTo>
+                  <a:pt x="0" y="0"/>
+                </a:moveTo>
+                <a:lnTo>
+                  <a:pt x="120000" y="0"/>
+                </a:lnTo>
+                <a:lnTo>
+                  <a:pt x="120000" y="120000"/>
+                </a:lnTo>
+                <a:lnTo>
+                  <a:pt x="0" y="120000"/>
+                </a:lnTo>
+                <a:close/>
+              </a:path>
+            </a:pathLst>
+          </a:custGeom>
+        </p:spPr>
+      </p:sp>
+      <p:sp>
+        <p:nvSpPr>
+          <p:cNvPr id="338" name="Google Shape;338;gbfcf5cc53d_0_16:notes"/>
+          <p:cNvSpPr txBox="1"/>
+          <p:nvPr>
+            <p:ph idx="1" type="body"/>
+          </p:nvPr>
+        </p:nvSpPr>
+        <p:spPr>
+          <a:xfrm>
+            <a:off x="685800" y="4343400"/>
+            <a:ext cx="5486400" cy="4114800"/>
+          </a:xfrm>
+          <a:prstGeom prst="rect">
+            <a:avLst/>
+          </a:prstGeom>
+        </p:spPr>
+        <p:txBody>
+          <a:bodyPr anchorCtr="0" anchor="t" bIns="91425" lIns="91425" spcFirstLastPara="1" rIns="91425" wrap="square" tIns="91425">
+            <a:noAutofit/>
+          </a:bodyPr>
+          <a:lstStyle/>
+          <a:p>
+            <a:pPr indent="0" lvl="0" marL="0" rtl="0" algn="l">
+              <a:spcBef>
+                <a:spcPts val="0"/>
+              </a:spcBef>
+              <a:spcAft>
+                <a:spcPts val="0"/>
+              </a:spcAft>
+              <a:buNone/>
+            </a:pPr>
+            <a:r>
+              <a:t/>
+            </a:r>
+            <a:endParaRPr/>
+          </a:p>
+        </p:txBody>
+      </p:sp>
+    </p:spTree>
+  </p:cSld>
+  <p:clrMapOvr>
+    <a:masterClrMapping/>
+  </p:clrMapOvr>
+</p:notes>
+</file>
+
+<file path=ppt/notesSlides/notesSlide12.xml><?xml version="1.0" encoding="utf-8"?>
+<p:notes xmlns:a="http://schemas.openxmlformats.org/drawingml/2006/main" xmlns:r="http://schemas.openxmlformats.org/officeDocument/2006/relationships" xmlns:mc="http://schemas.openxmlformats.org/markup-compatibility/2006" xmlns:mv="urn:schemas-microsoft-com:mac:vml" xmlns:p="http://schemas.openxmlformats.org/presentationml/2006/main" xmlns:c="http://schemas.openxmlformats.org/drawingml/2006/chart" xmlns:dgm="http://schemas.openxmlformats.org/drawingml/2006/diagram" xmlns:o="urn:schemas-microsoft-com:office:office" xmlns:v="urn:schemas-microsoft-com:vml" xmlns:pvml="urn:schemas-microsoft-com:office:powerpoint" xmlns:com="http://schemas.openxmlformats.org/drawingml/2006/compatibility" xmlns:p14="http://schemas.microsoft.com/office/powerpoint/2010/main" xmlns:p15="http://schemas.microsoft.com/office/powerpoint/2012/main" xmlns:ahyp="http://schemas.microsoft.com/office/drawing/2018/hyperlinkcolor" showMasterPhAnim="0" showMasterSp="0">
+  <p:cSld>
+    <p:spTree>
+      <p:nvGrpSpPr>
+        <p:cNvPr id="343" name="Shape 343"/>
+        <p:cNvGrpSpPr/>
+        <p:nvPr/>
+      </p:nvGrpSpPr>
+      <p:grpSpPr>
+        <a:xfrm>
+          <a:off x="0" y="0"/>
+          <a:ext cx="0" cy="0"/>
+          <a:chOff x="0" y="0"/>
+          <a:chExt cx="0" cy="0"/>
+        </a:xfrm>
+      </p:grpSpPr>
+      <p:sp>
+        <p:nvSpPr>
+          <p:cNvPr id="344" name="Google Shape;344;gbfcf5cc53d_0_22:notes"/>
+          <p:cNvSpPr/>
+          <p:nvPr>
+            <p:ph idx="2" type="sldImg"/>
+          </p:nvPr>
+        </p:nvSpPr>
+        <p:spPr>
+          <a:xfrm>
+            <a:off x="381300" y="685800"/>
+            <a:ext cx="6096000" cy="3429000"/>
+          </a:xfrm>
+          <a:custGeom>
+            <a:rect b="b" l="l" r="r" t="t"/>
+            <a:pathLst>
+              <a:path extrusionOk="0" h="120000" w="120000">
+                <a:moveTo>
+                  <a:pt x="0" y="0"/>
+                </a:moveTo>
+                <a:lnTo>
+                  <a:pt x="120000" y="0"/>
+                </a:lnTo>
+                <a:lnTo>
+                  <a:pt x="120000" y="120000"/>
+                </a:lnTo>
+                <a:lnTo>
+                  <a:pt x="0" y="120000"/>
+                </a:lnTo>
+                <a:close/>
+              </a:path>
+            </a:pathLst>
+          </a:custGeom>
+        </p:spPr>
+      </p:sp>
+      <p:sp>
+        <p:nvSpPr>
+          <p:cNvPr id="345" name="Google Shape;345;gbfcf5cc53d_0_22:notes"/>
+          <p:cNvSpPr txBox="1"/>
+          <p:nvPr>
+            <p:ph idx="1" type="body"/>
+          </p:nvPr>
+        </p:nvSpPr>
+        <p:spPr>
+          <a:xfrm>
+            <a:off x="685800" y="4343400"/>
+            <a:ext cx="5486400" cy="4114800"/>
+          </a:xfrm>
+          <a:prstGeom prst="rect">
+            <a:avLst/>
+          </a:prstGeom>
+        </p:spPr>
+        <p:txBody>
+          <a:bodyPr anchorCtr="0" anchor="t" bIns="91425" lIns="91425" spcFirstLastPara="1" rIns="91425" wrap="square" tIns="91425">
+            <a:noAutofit/>
+          </a:bodyPr>
+          <a:lstStyle/>
+          <a:p>
+            <a:pPr indent="0" lvl="0" marL="0" rtl="0" algn="l">
+              <a:spcBef>
+                <a:spcPts val="0"/>
+              </a:spcBef>
+              <a:spcAft>
+                <a:spcPts val="0"/>
+              </a:spcAft>
+              <a:buNone/>
+            </a:pPr>
+            <a:r>
+              <a:t/>
+            </a:r>
+            <a:endParaRPr/>
+          </a:p>
+        </p:txBody>
+      </p:sp>
+    </p:spTree>
+  </p:cSld>
+  <p:clrMapOvr>
+    <a:masterClrMapping/>
+  </p:clrMapOvr>
+</p:notes>
+</file>
+
+<file path=ppt/notesSlides/notesSlide13.xml><?xml version="1.0" encoding="utf-8"?>
+<p:notes xmlns:a="http://schemas.openxmlformats.org/drawingml/2006/main" xmlns:r="http://schemas.openxmlformats.org/officeDocument/2006/relationships" xmlns:mc="http://schemas.openxmlformats.org/markup-compatibility/2006" xmlns:mv="urn:schemas-microsoft-com:mac:vml" xmlns:p="http://schemas.openxmlformats.org/presentationml/2006/main" xmlns:c="http://schemas.openxmlformats.org/drawingml/2006/chart" xmlns:dgm="http://schemas.openxmlformats.org/drawingml/2006/diagram" xmlns:o="urn:schemas-microsoft-com:office:office" xmlns:v="urn:schemas-microsoft-com:vml" xmlns:pvml="urn:schemas-microsoft-com:office:powerpoint" xmlns:com="http://schemas.openxmlformats.org/drawingml/2006/compatibility" xmlns:p14="http://schemas.microsoft.com/office/powerpoint/2010/main" xmlns:p15="http://schemas.microsoft.com/office/powerpoint/2012/main" xmlns:ahyp="http://schemas.microsoft.com/office/drawing/2018/hyperlinkcolor" showMasterPhAnim="0" showMasterSp="0">
+  <p:cSld>
+    <p:spTree>
+      <p:nvGrpSpPr>
+        <p:cNvPr id="350" name="Shape 350"/>
+        <p:cNvGrpSpPr/>
+        <p:nvPr/>
+      </p:nvGrpSpPr>
+      <p:grpSpPr>
+        <a:xfrm>
+          <a:off x="0" y="0"/>
+          <a:ext cx="0" cy="0"/>
+          <a:chOff x="0" y="0"/>
+          <a:chExt cx="0" cy="0"/>
+        </a:xfrm>
+      </p:grpSpPr>
+      <p:sp>
+        <p:nvSpPr>
+          <p:cNvPr id="351" name="Google Shape;351;gbfcf5cc53d_0_31:notes"/>
+          <p:cNvSpPr/>
+          <p:nvPr>
+            <p:ph idx="2" type="sldImg"/>
+          </p:nvPr>
+        </p:nvSpPr>
+        <p:spPr>
+          <a:xfrm>
+            <a:off x="381300" y="685800"/>
+            <a:ext cx="6096000" cy="3429000"/>
+          </a:xfrm>
+          <a:custGeom>
+            <a:rect b="b" l="l" r="r" t="t"/>
+            <a:pathLst>
+              <a:path extrusionOk="0" h="120000" w="120000">
+                <a:moveTo>
+                  <a:pt x="0" y="0"/>
+                </a:moveTo>
+                <a:lnTo>
+                  <a:pt x="120000" y="0"/>
+                </a:lnTo>
+                <a:lnTo>
+                  <a:pt x="120000" y="120000"/>
+                </a:lnTo>
+                <a:lnTo>
+                  <a:pt x="0" y="120000"/>
+                </a:lnTo>
+                <a:close/>
+              </a:path>
+            </a:pathLst>
+          </a:custGeom>
+        </p:spPr>
+      </p:sp>
+      <p:sp>
+        <p:nvSpPr>
+          <p:cNvPr id="352" name="Google Shape;352;gbfcf5cc53d_0_31:notes"/>
+          <p:cNvSpPr txBox="1"/>
+          <p:nvPr>
+            <p:ph idx="1" type="body"/>
+          </p:nvPr>
+        </p:nvSpPr>
+        <p:spPr>
+          <a:xfrm>
+            <a:off x="685800" y="4343400"/>
+            <a:ext cx="5486400" cy="4114800"/>
+          </a:xfrm>
+          <a:prstGeom prst="rect">
+            <a:avLst/>
+          </a:prstGeom>
+        </p:spPr>
+        <p:txBody>
+          <a:bodyPr anchorCtr="0" anchor="t" bIns="91425" lIns="91425" spcFirstLastPara="1" rIns="91425" wrap="square" tIns="91425">
+            <a:noAutofit/>
+          </a:bodyPr>
+          <a:lstStyle/>
+          <a:p>
+            <a:pPr indent="0" lvl="0" marL="0" rtl="0" algn="l">
+              <a:spcBef>
+                <a:spcPts val="0"/>
+              </a:spcBef>
+              <a:spcAft>
+                <a:spcPts val="0"/>
+              </a:spcAft>
+              <a:buNone/>
+            </a:pPr>
+            <a:r>
+              <a:t/>
+            </a:r>
+            <a:endParaRPr/>
+          </a:p>
+        </p:txBody>
+      </p:sp>
+    </p:spTree>
+  </p:cSld>
+  <p:clrMapOvr>
+    <a:masterClrMapping/>
+  </p:clrMapOvr>
+</p:notes>
+</file>
+
+<file path=ppt/notesSlides/notesSlide14.xml><?xml version="1.0" encoding="utf-8"?>
+<p:notes xmlns:a="http://schemas.openxmlformats.org/drawingml/2006/main" xmlns:r="http://schemas.openxmlformats.org/officeDocument/2006/relationships" xmlns:mc="http://schemas.openxmlformats.org/markup-compatibility/2006" xmlns:mv="urn:schemas-microsoft-com:mac:vml" xmlns:p="http://schemas.openxmlformats.org/presentationml/2006/main" xmlns:c="http://schemas.openxmlformats.org/drawingml/2006/chart" xmlns:dgm="http://schemas.openxmlformats.org/drawingml/2006/diagram" xmlns:o="urn:schemas-microsoft-com:office:office" xmlns:v="urn:schemas-microsoft-com:vml" xmlns:pvml="urn:schemas-microsoft-com:office:powerpoint" xmlns:com="http://schemas.openxmlformats.org/drawingml/2006/compatibility" xmlns:p14="http://schemas.microsoft.com/office/powerpoint/2010/main" xmlns:p15="http://schemas.microsoft.com/office/powerpoint/2012/main" xmlns:ahyp="http://schemas.microsoft.com/office/drawing/2018/hyperlinkcolor" showMasterPhAnim="0" showMasterSp="0">
+  <p:cSld>
+    <p:spTree>
+      <p:nvGrpSpPr>
+        <p:cNvPr id="358" name="Shape 358"/>
+        <p:cNvGrpSpPr/>
+        <p:nvPr/>
+      </p:nvGrpSpPr>
+      <p:grpSpPr>
+        <a:xfrm>
+          <a:off x="0" y="0"/>
+          <a:ext cx="0" cy="0"/>
+          <a:chOff x="0" y="0"/>
+          <a:chExt cx="0" cy="0"/>
+        </a:xfrm>
+      </p:grpSpPr>
+      <p:sp>
+        <p:nvSpPr>
+          <p:cNvPr id="359" name="Google Shape;359;gbfcf5cc53d_0_42:notes"/>
+          <p:cNvSpPr/>
+          <p:nvPr>
+            <p:ph idx="2" type="sldImg"/>
+          </p:nvPr>
+        </p:nvSpPr>
+        <p:spPr>
+          <a:xfrm>
+            <a:off x="381300" y="685800"/>
+            <a:ext cx="6096000" cy="3429000"/>
+          </a:xfrm>
+          <a:custGeom>
+            <a:rect b="b" l="l" r="r" t="t"/>
+            <a:pathLst>
+              <a:path extrusionOk="0" h="120000" w="120000">
+                <a:moveTo>
+                  <a:pt x="0" y="0"/>
+                </a:moveTo>
+                <a:lnTo>
+                  <a:pt x="120000" y="0"/>
+                </a:lnTo>
+                <a:lnTo>
+                  <a:pt x="120000" y="120000"/>
+                </a:lnTo>
+                <a:lnTo>
+                  <a:pt x="0" y="120000"/>
+                </a:lnTo>
+                <a:close/>
+              </a:path>
+            </a:pathLst>
+          </a:custGeom>
+        </p:spPr>
+      </p:sp>
+      <p:sp>
+        <p:nvSpPr>
+          <p:cNvPr id="360" name="Google Shape;360;gbfcf5cc53d_0_42:notes"/>
+          <p:cNvSpPr txBox="1"/>
+          <p:nvPr>
+            <p:ph idx="1" type="body"/>
+          </p:nvPr>
+        </p:nvSpPr>
+        <p:spPr>
+          <a:xfrm>
+            <a:off x="685800" y="4343400"/>
+            <a:ext cx="5486400" cy="4114800"/>
+          </a:xfrm>
+          <a:prstGeom prst="rect">
+            <a:avLst/>
+          </a:prstGeom>
+        </p:spPr>
+        <p:txBody>
+          <a:bodyPr anchorCtr="0" anchor="t" bIns="91425" lIns="91425" spcFirstLastPara="1" rIns="91425" wrap="square" tIns="91425">
+            <a:noAutofit/>
+          </a:bodyPr>
+          <a:lstStyle/>
+          <a:p>
+            <a:pPr indent="0" lvl="0" marL="0" rtl="0" algn="l">
+              <a:spcBef>
+                <a:spcPts val="0"/>
+              </a:spcBef>
+              <a:spcAft>
+                <a:spcPts val="0"/>
+              </a:spcAft>
+              <a:buNone/>
+            </a:pPr>
+            <a:r>
+              <a:t/>
+            </a:r>
+            <a:endParaRPr/>
+          </a:p>
+        </p:txBody>
+      </p:sp>
+    </p:spTree>
+  </p:cSld>
+  <p:clrMapOvr>
+    <a:masterClrMapping/>
+  </p:clrMapOvr>
+</p:notes>
+</file>
+
+<file path=ppt/notesSlides/notesSlide15.xml><?xml version="1.0" encoding="utf-8"?>
+<p:notes xmlns:a="http://schemas.openxmlformats.org/drawingml/2006/main" xmlns:r="http://schemas.openxmlformats.org/officeDocument/2006/relationships" xmlns:mc="http://schemas.openxmlformats.org/markup-compatibility/2006" xmlns:mv="urn:schemas-microsoft-com:mac:vml" xmlns:p="http://schemas.openxmlformats.org/presentationml/2006/main" xmlns:c="http://schemas.openxmlformats.org/drawingml/2006/chart" xmlns:dgm="http://schemas.openxmlformats.org/drawingml/2006/diagram" xmlns:o="urn:schemas-microsoft-com:office:office" xmlns:v="urn:schemas-microsoft-com:vml" xmlns:pvml="urn:schemas-microsoft-com:office:powerpoint" xmlns:com="http://schemas.openxmlformats.org/drawingml/2006/compatibility" xmlns:p14="http://schemas.microsoft.com/office/powerpoint/2010/main" xmlns:p15="http://schemas.microsoft.com/office/powerpoint/2012/main" xmlns:ahyp="http://schemas.microsoft.com/office/drawing/2018/hyperlinkcolor" showMasterPhAnim="0" showMasterSp="0">
+  <p:cSld>
+    <p:spTree>
+      <p:nvGrpSpPr>
+        <p:cNvPr id="363" name="Shape 363"/>
+        <p:cNvGrpSpPr/>
+        <p:nvPr/>
+      </p:nvGrpSpPr>
+      <p:grpSpPr>
+        <a:xfrm>
+          <a:off x="0" y="0"/>
+          <a:ext cx="0" cy="0"/>
+          <a:chOff x="0" y="0"/>
+          <a:chExt cx="0" cy="0"/>
+        </a:xfrm>
+      </p:grpSpPr>
+      <p:sp>
+        <p:nvSpPr>
+          <p:cNvPr id="364" name="Google Shape;364;gbfcf5cc53d_0_50:notes"/>
+          <p:cNvSpPr/>
+          <p:nvPr>
+            <p:ph idx="2" type="sldImg"/>
+          </p:nvPr>
+        </p:nvSpPr>
+        <p:spPr>
+          <a:xfrm>
+            <a:off x="381300" y="685800"/>
+            <a:ext cx="6096000" cy="3429000"/>
+          </a:xfrm>
+          <a:custGeom>
+            <a:rect b="b" l="l" r="r" t="t"/>
+            <a:pathLst>
+              <a:path extrusionOk="0" h="120000" w="120000">
+                <a:moveTo>
+                  <a:pt x="0" y="0"/>
+                </a:moveTo>
+                <a:lnTo>
+                  <a:pt x="120000" y="0"/>
+                </a:lnTo>
+                <a:lnTo>
+                  <a:pt x="120000" y="120000"/>
+                </a:lnTo>
+                <a:lnTo>
+                  <a:pt x="0" y="120000"/>
+                </a:lnTo>
+                <a:close/>
+              </a:path>
+            </a:pathLst>
+          </a:custGeom>
+        </p:spPr>
+      </p:sp>
+      <p:sp>
+        <p:nvSpPr>
+          <p:cNvPr id="365" name="Google Shape;365;gbfcf5cc53d_0_50:notes"/>
+          <p:cNvSpPr txBox="1"/>
+          <p:nvPr>
+            <p:ph idx="1" type="body"/>
+          </p:nvPr>
+        </p:nvSpPr>
+        <p:spPr>
+          <a:xfrm>
+            <a:off x="685800" y="4343400"/>
+            <a:ext cx="5486400" cy="4114800"/>
+          </a:xfrm>
+          <a:prstGeom prst="rect">
+            <a:avLst/>
+          </a:prstGeom>
+        </p:spPr>
+        <p:txBody>
+          <a:bodyPr anchorCtr="0" anchor="t" bIns="91425" lIns="91425" spcFirstLastPara="1" rIns="91425" wrap="square" tIns="91425">
+            <a:noAutofit/>
+          </a:bodyPr>
+          <a:lstStyle/>
+          <a:p>
+            <a:pPr indent="0" lvl="0" marL="0" rtl="0" algn="l">
+              <a:spcBef>
+                <a:spcPts val="0"/>
+              </a:spcBef>
+              <a:spcAft>
+                <a:spcPts val="0"/>
+              </a:spcAft>
+              <a:buNone/>
+            </a:pPr>
+            <a:r>
+              <a:t/>
+            </a:r>
+            <a:endParaRPr/>
+          </a:p>
+        </p:txBody>
+      </p:sp>
+    </p:spTree>
+  </p:cSld>
+  <p:clrMapOvr>
+    <a:masterClrMapping/>
+  </p:clrMapOvr>
+</p:notes>
+</file>
+
 <file path=ppt/notesSlides/notesSlide2.xml><?xml version="1.0" encoding="utf-8"?>
 <p:notes xmlns:a="http://schemas.openxmlformats.org/drawingml/2006/main" xmlns:r="http://schemas.openxmlformats.org/officeDocument/2006/relationships" xmlns:mc="http://schemas.openxmlformats.org/markup-compatibility/2006" xmlns:mv="urn:schemas-microsoft-com:mac:vml" xmlns:p="http://schemas.openxmlformats.org/presentationml/2006/main" xmlns:c="http://schemas.openxmlformats.org/drawingml/2006/chart" xmlns:dgm="http://schemas.openxmlformats.org/drawingml/2006/diagram" xmlns:o="urn:schemas-microsoft-com:office:office" xmlns:v="urn:schemas-microsoft-com:vml" xmlns:pvml="urn:schemas-microsoft-com:office:powerpoint" xmlns:com="http://schemas.openxmlformats.org/drawingml/2006/compatibility" xmlns:p14="http://schemas.microsoft.com/office/powerpoint/2010/main" xmlns:p15="http://schemas.microsoft.com/office/powerpoint/2012/main" xmlns:ahyp="http://schemas.microsoft.com/office/drawing/2018/hyperlinkcolor" showMasterPhAnim="0" showMasterSp="0">
   <p:cSld>
@@ -1121,7 +1723,7 @@
       </p:grpSpPr>
       <p:sp>
         <p:nvSpPr>
-          <p:cNvPr id="300" name="Google Shape;300;gbd6d82e2aa_0_25:notes"/>
+          <p:cNvPr id="300" name="Google Shape;300;gbfcf5cc53d_0_46:notes"/>
           <p:cNvSpPr/>
           <p:nvPr>
             <p:ph idx="2" type="sldImg"/>
@@ -1156,7 +1758,7 @@
       </p:sp>
       <p:sp>
         <p:nvSpPr>
-          <p:cNvPr id="301" name="Google Shape;301;gbd6d82e2aa_0_25:notes"/>
+          <p:cNvPr id="301" name="Google Shape;301;gbfcf5cc53d_0_46:notes"/>
           <p:cNvSpPr txBox="1"/>
           <p:nvPr>
             <p:ph idx="1" type="body"/>
@@ -1206,7 +1808,7 @@
   <p:cSld>
     <p:spTree>
       <p:nvGrpSpPr>
-        <p:cNvPr id="305" name="Shape 305"/>
+        <p:cNvPr id="304" name="Shape 304"/>
         <p:cNvGrpSpPr/>
         <p:nvPr/>
       </p:nvGrpSpPr>
@@ -1220,7 +1822,7 @@
       </p:grpSpPr>
       <p:sp>
         <p:nvSpPr>
-          <p:cNvPr id="306" name="Google Shape;306;gbd6d82e2aa_0_31:notes"/>
+          <p:cNvPr id="305" name="Google Shape;305;gbd6d82e2aa_0_25:notes"/>
           <p:cNvSpPr/>
           <p:nvPr>
             <p:ph idx="2" type="sldImg"/>
@@ -1255,7 +1857,7 @@
       </p:sp>
       <p:sp>
         <p:nvSpPr>
-          <p:cNvPr id="307" name="Google Shape;307;gbd6d82e2aa_0_31:notes"/>
+          <p:cNvPr id="306" name="Google Shape;306;gbd6d82e2aa_0_25:notes"/>
           <p:cNvSpPr txBox="1"/>
           <p:nvPr>
             <p:ph idx="1" type="body"/>
@@ -1305,7 +1907,7 @@
   <p:cSld>
     <p:spTree>
       <p:nvGrpSpPr>
-        <p:cNvPr id="311" name="Shape 311"/>
+        <p:cNvPr id="310" name="Shape 310"/>
         <p:cNvGrpSpPr/>
         <p:nvPr/>
       </p:nvGrpSpPr>
@@ -1319,7 +1921,7 @@
       </p:grpSpPr>
       <p:sp>
         <p:nvSpPr>
-          <p:cNvPr id="312" name="Google Shape;312;gbd6d82e2aa_0_37:notes"/>
+          <p:cNvPr id="311" name="Google Shape;311;gbd6d82e2aa_0_31:notes"/>
           <p:cNvSpPr/>
           <p:nvPr>
             <p:ph idx="2" type="sldImg"/>
@@ -1354,7 +1956,205 @@
       </p:sp>
       <p:sp>
         <p:nvSpPr>
-          <p:cNvPr id="313" name="Google Shape;313;gbd6d82e2aa_0_37:notes"/>
+          <p:cNvPr id="312" name="Google Shape;312;gbd6d82e2aa_0_31:notes"/>
+          <p:cNvSpPr txBox="1"/>
+          <p:nvPr>
+            <p:ph idx="1" type="body"/>
+          </p:nvPr>
+        </p:nvSpPr>
+        <p:spPr>
+          <a:xfrm>
+            <a:off x="685800" y="4343400"/>
+            <a:ext cx="5486400" cy="4114800"/>
+          </a:xfrm>
+          <a:prstGeom prst="rect">
+            <a:avLst/>
+          </a:prstGeom>
+        </p:spPr>
+        <p:txBody>
+          <a:bodyPr anchorCtr="0" anchor="t" bIns="91425" lIns="91425" spcFirstLastPara="1" rIns="91425" wrap="square" tIns="91425">
+            <a:noAutofit/>
+          </a:bodyPr>
+          <a:lstStyle/>
+          <a:p>
+            <a:pPr indent="0" lvl="0" marL="0" rtl="0" algn="l">
+              <a:spcBef>
+                <a:spcPts val="0"/>
+              </a:spcBef>
+              <a:spcAft>
+                <a:spcPts val="0"/>
+              </a:spcAft>
+              <a:buNone/>
+            </a:pPr>
+            <a:r>
+              <a:t/>
+            </a:r>
+            <a:endParaRPr/>
+          </a:p>
+        </p:txBody>
+      </p:sp>
+    </p:spTree>
+  </p:cSld>
+  <p:clrMapOvr>
+    <a:masterClrMapping/>
+  </p:clrMapOvr>
+</p:notes>
+</file>
+
+<file path=ppt/notesSlides/notesSlide8.xml><?xml version="1.0" encoding="utf-8"?>
+<p:notes xmlns:a="http://schemas.openxmlformats.org/drawingml/2006/main" xmlns:r="http://schemas.openxmlformats.org/officeDocument/2006/relationships" xmlns:mc="http://schemas.openxmlformats.org/markup-compatibility/2006" xmlns:mv="urn:schemas-microsoft-com:mac:vml" xmlns:p="http://schemas.openxmlformats.org/presentationml/2006/main" xmlns:c="http://schemas.openxmlformats.org/drawingml/2006/chart" xmlns:dgm="http://schemas.openxmlformats.org/drawingml/2006/diagram" xmlns:o="urn:schemas-microsoft-com:office:office" xmlns:v="urn:schemas-microsoft-com:vml" xmlns:pvml="urn:schemas-microsoft-com:office:powerpoint" xmlns:com="http://schemas.openxmlformats.org/drawingml/2006/compatibility" xmlns:p14="http://schemas.microsoft.com/office/powerpoint/2010/main" xmlns:p15="http://schemas.microsoft.com/office/powerpoint/2012/main" xmlns:ahyp="http://schemas.microsoft.com/office/drawing/2018/hyperlinkcolor" showMasterPhAnim="0" showMasterSp="0">
+  <p:cSld>
+    <p:spTree>
+      <p:nvGrpSpPr>
+        <p:cNvPr id="316" name="Shape 316"/>
+        <p:cNvGrpSpPr/>
+        <p:nvPr/>
+      </p:nvGrpSpPr>
+      <p:grpSpPr>
+        <a:xfrm>
+          <a:off x="0" y="0"/>
+          <a:ext cx="0" cy="0"/>
+          <a:chOff x="0" y="0"/>
+          <a:chExt cx="0" cy="0"/>
+        </a:xfrm>
+      </p:grpSpPr>
+      <p:sp>
+        <p:nvSpPr>
+          <p:cNvPr id="317" name="Google Shape;317;gbd6d82e2aa_0_37:notes"/>
+          <p:cNvSpPr/>
+          <p:nvPr>
+            <p:ph idx="2" type="sldImg"/>
+          </p:nvPr>
+        </p:nvSpPr>
+        <p:spPr>
+          <a:xfrm>
+            <a:off x="381300" y="685800"/>
+            <a:ext cx="6096000" cy="3429000"/>
+          </a:xfrm>
+          <a:custGeom>
+            <a:rect b="b" l="l" r="r" t="t"/>
+            <a:pathLst>
+              <a:path extrusionOk="0" h="120000" w="120000">
+                <a:moveTo>
+                  <a:pt x="0" y="0"/>
+                </a:moveTo>
+                <a:lnTo>
+                  <a:pt x="120000" y="0"/>
+                </a:lnTo>
+                <a:lnTo>
+                  <a:pt x="120000" y="120000"/>
+                </a:lnTo>
+                <a:lnTo>
+                  <a:pt x="0" y="120000"/>
+                </a:lnTo>
+                <a:close/>
+              </a:path>
+            </a:pathLst>
+          </a:custGeom>
+        </p:spPr>
+      </p:sp>
+      <p:sp>
+        <p:nvSpPr>
+          <p:cNvPr id="318" name="Google Shape;318;gbd6d82e2aa_0_37:notes"/>
+          <p:cNvSpPr txBox="1"/>
+          <p:nvPr>
+            <p:ph idx="1" type="body"/>
+          </p:nvPr>
+        </p:nvSpPr>
+        <p:spPr>
+          <a:xfrm>
+            <a:off x="685800" y="4343400"/>
+            <a:ext cx="5486400" cy="4114800"/>
+          </a:xfrm>
+          <a:prstGeom prst="rect">
+            <a:avLst/>
+          </a:prstGeom>
+        </p:spPr>
+        <p:txBody>
+          <a:bodyPr anchorCtr="0" anchor="t" bIns="91425" lIns="91425" spcFirstLastPara="1" rIns="91425" wrap="square" tIns="91425">
+            <a:noAutofit/>
+          </a:bodyPr>
+          <a:lstStyle/>
+          <a:p>
+            <a:pPr indent="0" lvl="0" marL="0" rtl="0" algn="l">
+              <a:spcBef>
+                <a:spcPts val="0"/>
+              </a:spcBef>
+              <a:spcAft>
+                <a:spcPts val="0"/>
+              </a:spcAft>
+              <a:buNone/>
+            </a:pPr>
+            <a:r>
+              <a:t/>
+            </a:r>
+            <a:endParaRPr/>
+          </a:p>
+        </p:txBody>
+      </p:sp>
+    </p:spTree>
+  </p:cSld>
+  <p:clrMapOvr>
+    <a:masterClrMapping/>
+  </p:clrMapOvr>
+</p:notes>
+</file>
+
+<file path=ppt/notesSlides/notesSlide9.xml><?xml version="1.0" encoding="utf-8"?>
+<p:notes xmlns:a="http://schemas.openxmlformats.org/drawingml/2006/main" xmlns:r="http://schemas.openxmlformats.org/officeDocument/2006/relationships" xmlns:mc="http://schemas.openxmlformats.org/markup-compatibility/2006" xmlns:mv="urn:schemas-microsoft-com:mac:vml" xmlns:p="http://schemas.openxmlformats.org/presentationml/2006/main" xmlns:c="http://schemas.openxmlformats.org/drawingml/2006/chart" xmlns:dgm="http://schemas.openxmlformats.org/drawingml/2006/diagram" xmlns:o="urn:schemas-microsoft-com:office:office" xmlns:v="urn:schemas-microsoft-com:vml" xmlns:pvml="urn:schemas-microsoft-com:office:powerpoint" xmlns:com="http://schemas.openxmlformats.org/drawingml/2006/compatibility" xmlns:p14="http://schemas.microsoft.com/office/powerpoint/2010/main" xmlns:p15="http://schemas.microsoft.com/office/powerpoint/2012/main" xmlns:ahyp="http://schemas.microsoft.com/office/drawing/2018/hyperlinkcolor" showMasterPhAnim="0" showMasterSp="0">
+  <p:cSld>
+    <p:spTree>
+      <p:nvGrpSpPr>
+        <p:cNvPr id="323" name="Shape 323"/>
+        <p:cNvGrpSpPr/>
+        <p:nvPr/>
+      </p:nvGrpSpPr>
+      <p:grpSpPr>
+        <a:xfrm>
+          <a:off x="0" y="0"/>
+          <a:ext cx="0" cy="0"/>
+          <a:chOff x="0" y="0"/>
+          <a:chExt cx="0" cy="0"/>
+        </a:xfrm>
+      </p:grpSpPr>
+      <p:sp>
+        <p:nvSpPr>
+          <p:cNvPr id="324" name="Google Shape;324;gbfcf5cc53d_0_8:notes"/>
+          <p:cNvSpPr/>
+          <p:nvPr>
+            <p:ph idx="2" type="sldImg"/>
+          </p:nvPr>
+        </p:nvSpPr>
+        <p:spPr>
+          <a:xfrm>
+            <a:off x="381300" y="685800"/>
+            <a:ext cx="6096000" cy="3429000"/>
+          </a:xfrm>
+          <a:custGeom>
+            <a:rect b="b" l="l" r="r" t="t"/>
+            <a:pathLst>
+              <a:path extrusionOk="0" h="120000" w="120000">
+                <a:moveTo>
+                  <a:pt x="0" y="0"/>
+                </a:moveTo>
+                <a:lnTo>
+                  <a:pt x="120000" y="0"/>
+                </a:lnTo>
+                <a:lnTo>
+                  <a:pt x="120000" y="120000"/>
+                </a:lnTo>
+                <a:lnTo>
+                  <a:pt x="0" y="120000"/>
+                </a:lnTo>
+                <a:close/>
+              </a:path>
+            </a:pathLst>
+          </a:custGeom>
+        </p:spPr>
+      </p:sp>
+      <p:sp>
+        <p:nvSpPr>
+          <p:cNvPr id="325" name="Google Shape;325;gbfcf5cc53d_0_8:notes"/>
           <p:cNvSpPr txBox="1"/>
           <p:nvPr>
             <p:ph idx="1" type="body"/>
@@ -15778,6 +16578,1006 @@
 </p:sld>
 </file>
 
+<file path=ppt/slides/slide10.xml><?xml version="1.0" encoding="utf-8"?>
+<p:sld xmlns:a="http://schemas.openxmlformats.org/drawingml/2006/main" xmlns:r="http://schemas.openxmlformats.org/officeDocument/2006/relationships" xmlns:mc="http://schemas.openxmlformats.org/markup-compatibility/2006" xmlns:mv="urn:schemas-microsoft-com:mac:vml" xmlns:p="http://schemas.openxmlformats.org/presentationml/2006/main" xmlns:c="http://schemas.openxmlformats.org/drawingml/2006/chart" xmlns:dgm="http://schemas.openxmlformats.org/drawingml/2006/diagram" xmlns:o="urn:schemas-microsoft-com:office:office" xmlns:v="urn:schemas-microsoft-com:vml" xmlns:pvml="urn:schemas-microsoft-com:office:powerpoint" xmlns:com="http://schemas.openxmlformats.org/drawingml/2006/compatibility" xmlns:p14="http://schemas.microsoft.com/office/powerpoint/2010/main" xmlns:p15="http://schemas.microsoft.com/office/powerpoint/2012/main" xmlns:ahyp="http://schemas.microsoft.com/office/drawing/2018/hyperlinkcolor">
+  <p:cSld>
+    <p:spTree>
+      <p:nvGrpSpPr>
+        <p:cNvPr id="333" name="Shape 333"/>
+        <p:cNvGrpSpPr/>
+        <p:nvPr/>
+      </p:nvGrpSpPr>
+      <p:grpSpPr>
+        <a:xfrm>
+          <a:off x="0" y="0"/>
+          <a:ext cx="0" cy="0"/>
+          <a:chOff x="0" y="0"/>
+          <a:chExt cx="0" cy="0"/>
+        </a:xfrm>
+      </p:grpSpPr>
+      <p:sp>
+        <p:nvSpPr>
+          <p:cNvPr id="334" name="Google Shape;334;p22"/>
+          <p:cNvSpPr txBox="1"/>
+          <p:nvPr>
+            <p:ph type="title"/>
+          </p:nvPr>
+        </p:nvSpPr>
+        <p:spPr>
+          <a:xfrm>
+            <a:off x="1303800" y="598575"/>
+            <a:ext cx="7030500" cy="999300"/>
+          </a:xfrm>
+          <a:prstGeom prst="rect">
+            <a:avLst/>
+          </a:prstGeom>
+        </p:spPr>
+        <p:txBody>
+          <a:bodyPr anchorCtr="0" anchor="t" bIns="91425" lIns="91425" spcFirstLastPara="1" rIns="91425" wrap="square" tIns="91425">
+            <a:noAutofit/>
+          </a:bodyPr>
+          <a:lstStyle/>
+          <a:p>
+            <a:pPr indent="0" lvl="0" marL="0" rtl="0" algn="l">
+              <a:spcBef>
+                <a:spcPts val="0"/>
+              </a:spcBef>
+              <a:spcAft>
+                <a:spcPts val="0"/>
+              </a:spcAft>
+              <a:buSzPts val="990"/>
+              <a:buNone/>
+            </a:pPr>
+            <a:r>
+              <a:rPr lang="en" sz="3220"/>
+              <a:t>Order mockup</a:t>
+            </a:r>
+            <a:endParaRPr sz="3220"/>
+          </a:p>
+          <a:p>
+            <a:pPr indent="0" lvl="0" marL="0" rtl="0" algn="l">
+              <a:spcBef>
+                <a:spcPts val="0"/>
+              </a:spcBef>
+              <a:spcAft>
+                <a:spcPts val="0"/>
+              </a:spcAft>
+              <a:buSzPts val="990"/>
+              <a:buNone/>
+            </a:pPr>
+            <a:r>
+              <a:t/>
+            </a:r>
+            <a:endParaRPr sz="3220"/>
+          </a:p>
+        </p:txBody>
+      </p:sp>
+      <p:pic>
+        <p:nvPicPr>
+          <p:cNvPr id="335" name="Google Shape;335;p22"/>
+          <p:cNvPicPr preferRelativeResize="0"/>
+          <p:nvPr/>
+        </p:nvPicPr>
+        <p:blipFill>
+          <a:blip r:embed="rId3">
+            <a:alphaModFix/>
+          </a:blip>
+          <a:stretch>
+            <a:fillRect/>
+          </a:stretch>
+        </p:blipFill>
+        <p:spPr>
+          <a:xfrm>
+            <a:off x="2299350" y="1368500"/>
+            <a:ext cx="4379000" cy="3775000"/>
+          </a:xfrm>
+          <a:prstGeom prst="rect">
+            <a:avLst/>
+          </a:prstGeom>
+          <a:noFill/>
+          <a:ln>
+            <a:noFill/>
+          </a:ln>
+        </p:spPr>
+      </p:pic>
+    </p:spTree>
+  </p:cSld>
+  <p:clrMapOvr>
+    <a:masterClrMapping/>
+  </p:clrMapOvr>
+</p:sld>
+</file>
+
+<file path=ppt/slides/slide11.xml><?xml version="1.0" encoding="utf-8"?>
+<p:sld xmlns:a="http://schemas.openxmlformats.org/drawingml/2006/main" xmlns:r="http://schemas.openxmlformats.org/officeDocument/2006/relationships" xmlns:mc="http://schemas.openxmlformats.org/markup-compatibility/2006" xmlns:mv="urn:schemas-microsoft-com:mac:vml" xmlns:p="http://schemas.openxmlformats.org/presentationml/2006/main" xmlns:c="http://schemas.openxmlformats.org/drawingml/2006/chart" xmlns:dgm="http://schemas.openxmlformats.org/drawingml/2006/diagram" xmlns:o="urn:schemas-microsoft-com:office:office" xmlns:v="urn:schemas-microsoft-com:vml" xmlns:pvml="urn:schemas-microsoft-com:office:powerpoint" xmlns:com="http://schemas.openxmlformats.org/drawingml/2006/compatibility" xmlns:p14="http://schemas.microsoft.com/office/powerpoint/2010/main" xmlns:p15="http://schemas.microsoft.com/office/powerpoint/2012/main" xmlns:ahyp="http://schemas.microsoft.com/office/drawing/2018/hyperlinkcolor">
+  <p:cSld>
+    <p:spTree>
+      <p:nvGrpSpPr>
+        <p:cNvPr id="339" name="Shape 339"/>
+        <p:cNvGrpSpPr/>
+        <p:nvPr/>
+      </p:nvGrpSpPr>
+      <p:grpSpPr>
+        <a:xfrm>
+          <a:off x="0" y="0"/>
+          <a:ext cx="0" cy="0"/>
+          <a:chOff x="0" y="0"/>
+          <a:chExt cx="0" cy="0"/>
+        </a:xfrm>
+      </p:grpSpPr>
+      <p:sp>
+        <p:nvSpPr>
+          <p:cNvPr id="340" name="Google Shape;340;p23"/>
+          <p:cNvSpPr txBox="1"/>
+          <p:nvPr>
+            <p:ph type="title"/>
+          </p:nvPr>
+        </p:nvSpPr>
+        <p:spPr>
+          <a:xfrm>
+            <a:off x="1303800" y="598575"/>
+            <a:ext cx="7030500" cy="999300"/>
+          </a:xfrm>
+          <a:prstGeom prst="rect">
+            <a:avLst/>
+          </a:prstGeom>
+        </p:spPr>
+        <p:txBody>
+          <a:bodyPr anchorCtr="0" anchor="t" bIns="91425" lIns="91425" spcFirstLastPara="1" rIns="91425" wrap="square" tIns="91425">
+            <a:noAutofit/>
+          </a:bodyPr>
+          <a:lstStyle/>
+          <a:p>
+            <a:pPr indent="0" lvl="0" marL="0" rtl="0" algn="l">
+              <a:spcBef>
+                <a:spcPts val="0"/>
+              </a:spcBef>
+              <a:spcAft>
+                <a:spcPts val="0"/>
+              </a:spcAft>
+              <a:buSzPts val="990"/>
+              <a:buNone/>
+            </a:pPr>
+            <a:r>
+              <a:rPr lang="en" sz="3220"/>
+              <a:t>Order pipeline &amp; problems</a:t>
+            </a:r>
+            <a:endParaRPr sz="3220"/>
+          </a:p>
+          <a:p>
+            <a:pPr indent="0" lvl="0" marL="0" rtl="0" algn="l">
+              <a:spcBef>
+                <a:spcPts val="0"/>
+              </a:spcBef>
+              <a:spcAft>
+                <a:spcPts val="0"/>
+              </a:spcAft>
+              <a:buSzPts val="990"/>
+              <a:buNone/>
+            </a:pPr>
+            <a:r>
+              <a:t/>
+            </a:r>
+            <a:endParaRPr sz="3220"/>
+          </a:p>
+        </p:txBody>
+      </p:sp>
+      <p:pic>
+        <p:nvPicPr>
+          <p:cNvPr id="341" name="Google Shape;341;p23"/>
+          <p:cNvPicPr preferRelativeResize="0"/>
+          <p:nvPr/>
+        </p:nvPicPr>
+        <p:blipFill>
+          <a:blip r:embed="rId3">
+            <a:alphaModFix/>
+          </a:blip>
+          <a:stretch>
+            <a:fillRect/>
+          </a:stretch>
+        </p:blipFill>
+        <p:spPr>
+          <a:xfrm>
+            <a:off x="1178525" y="1178325"/>
+            <a:ext cx="7030501" cy="2781800"/>
+          </a:xfrm>
+          <a:prstGeom prst="rect">
+            <a:avLst/>
+          </a:prstGeom>
+          <a:noFill/>
+          <a:ln>
+            <a:noFill/>
+          </a:ln>
+        </p:spPr>
+      </p:pic>
+      <p:sp>
+        <p:nvSpPr>
+          <p:cNvPr id="342" name="Google Shape;342;p23"/>
+          <p:cNvSpPr txBox="1"/>
+          <p:nvPr/>
+        </p:nvSpPr>
+        <p:spPr>
+          <a:xfrm>
+            <a:off x="1498275" y="3992375"/>
+            <a:ext cx="6376800" cy="615600"/>
+          </a:xfrm>
+          <a:prstGeom prst="rect">
+            <a:avLst/>
+          </a:prstGeom>
+          <a:noFill/>
+          <a:ln>
+            <a:noFill/>
+          </a:ln>
+        </p:spPr>
+        <p:txBody>
+          <a:bodyPr anchorCtr="0" anchor="t" bIns="91425" lIns="91425" spcFirstLastPara="1" rIns="91425" wrap="square" tIns="91425">
+            <a:spAutoFit/>
+          </a:bodyPr>
+          <a:lstStyle/>
+          <a:p>
+            <a:pPr indent="-317500" lvl="0" marL="457200" rtl="0" algn="l">
+              <a:spcBef>
+                <a:spcPts val="0"/>
+              </a:spcBef>
+              <a:spcAft>
+                <a:spcPts val="0"/>
+              </a:spcAft>
+              <a:buSzPts val="1400"/>
+              <a:buFont typeface="Nunito"/>
+              <a:buChar char="●"/>
+            </a:pPr>
+            <a:r>
+              <a:rPr lang="en">
+                <a:latin typeface="Nunito"/>
+                <a:ea typeface="Nunito"/>
+                <a:cs typeface="Nunito"/>
+                <a:sym typeface="Nunito"/>
+              </a:rPr>
+              <a:t>Mediator order duplication</a:t>
+            </a:r>
+            <a:endParaRPr>
+              <a:latin typeface="Nunito"/>
+              <a:ea typeface="Nunito"/>
+              <a:cs typeface="Nunito"/>
+              <a:sym typeface="Nunito"/>
+            </a:endParaRPr>
+          </a:p>
+          <a:p>
+            <a:pPr indent="-317500" lvl="0" marL="457200" rtl="0" algn="l">
+              <a:spcBef>
+                <a:spcPts val="0"/>
+              </a:spcBef>
+              <a:spcAft>
+                <a:spcPts val="0"/>
+              </a:spcAft>
+              <a:buSzPts val="1400"/>
+              <a:buFont typeface="Nunito"/>
+              <a:buChar char="●"/>
+            </a:pPr>
+            <a:r>
+              <a:rPr lang="en">
+                <a:latin typeface="Nunito"/>
+                <a:ea typeface="Nunito"/>
+                <a:cs typeface="Nunito"/>
+                <a:sym typeface="Nunito"/>
+              </a:rPr>
+              <a:t>Matcher down OR fail</a:t>
+            </a:r>
+            <a:endParaRPr>
+              <a:latin typeface="Nunito"/>
+              <a:ea typeface="Nunito"/>
+              <a:cs typeface="Nunito"/>
+              <a:sym typeface="Nunito"/>
+            </a:endParaRPr>
+          </a:p>
+        </p:txBody>
+      </p:sp>
+    </p:spTree>
+  </p:cSld>
+  <p:clrMapOvr>
+    <a:masterClrMapping/>
+  </p:clrMapOvr>
+</p:sld>
+</file>
+
+<file path=ppt/slides/slide12.xml><?xml version="1.0" encoding="utf-8"?>
+<p:sld xmlns:a="http://schemas.openxmlformats.org/drawingml/2006/main" xmlns:r="http://schemas.openxmlformats.org/officeDocument/2006/relationships" xmlns:mc="http://schemas.openxmlformats.org/markup-compatibility/2006" xmlns:mv="urn:schemas-microsoft-com:mac:vml" xmlns:p="http://schemas.openxmlformats.org/presentationml/2006/main" xmlns:c="http://schemas.openxmlformats.org/drawingml/2006/chart" xmlns:dgm="http://schemas.openxmlformats.org/drawingml/2006/diagram" xmlns:o="urn:schemas-microsoft-com:office:office" xmlns:v="urn:schemas-microsoft-com:vml" xmlns:pvml="urn:schemas-microsoft-com:office:powerpoint" xmlns:com="http://schemas.openxmlformats.org/drawingml/2006/compatibility" xmlns:p14="http://schemas.microsoft.com/office/powerpoint/2010/main" xmlns:p15="http://schemas.microsoft.com/office/powerpoint/2012/main" xmlns:ahyp="http://schemas.microsoft.com/office/drawing/2018/hyperlinkcolor">
+  <p:cSld>
+    <p:spTree>
+      <p:nvGrpSpPr>
+        <p:cNvPr id="346" name="Shape 346"/>
+        <p:cNvGrpSpPr/>
+        <p:nvPr/>
+      </p:nvGrpSpPr>
+      <p:grpSpPr>
+        <a:xfrm>
+          <a:off x="0" y="0"/>
+          <a:ext cx="0" cy="0"/>
+          <a:chOff x="0" y="0"/>
+          <a:chExt cx="0" cy="0"/>
+        </a:xfrm>
+      </p:grpSpPr>
+      <p:sp>
+        <p:nvSpPr>
+          <p:cNvPr id="347" name="Google Shape;347;p24"/>
+          <p:cNvSpPr txBox="1"/>
+          <p:nvPr>
+            <p:ph type="title"/>
+          </p:nvPr>
+        </p:nvSpPr>
+        <p:spPr>
+          <a:xfrm>
+            <a:off x="1303800" y="598575"/>
+            <a:ext cx="7030500" cy="999300"/>
+          </a:xfrm>
+          <a:prstGeom prst="rect">
+            <a:avLst/>
+          </a:prstGeom>
+        </p:spPr>
+        <p:txBody>
+          <a:bodyPr anchorCtr="0" anchor="t" bIns="91425" lIns="91425" spcFirstLastPara="1" rIns="91425" wrap="square" tIns="91425">
+            <a:noAutofit/>
+          </a:bodyPr>
+          <a:lstStyle/>
+          <a:p>
+            <a:pPr indent="0" lvl="0" marL="0" rtl="0" algn="l">
+              <a:spcBef>
+                <a:spcPts val="0"/>
+              </a:spcBef>
+              <a:spcAft>
+                <a:spcPts val="0"/>
+              </a:spcAft>
+              <a:buSzPts val="990"/>
+              <a:buNone/>
+            </a:pPr>
+            <a:r>
+              <a:rPr lang="en" sz="3220"/>
+              <a:t>Patterns</a:t>
+            </a:r>
+            <a:endParaRPr sz="3220"/>
+          </a:p>
+          <a:p>
+            <a:pPr indent="0" lvl="0" marL="0" rtl="0" algn="l">
+              <a:spcBef>
+                <a:spcPts val="0"/>
+              </a:spcBef>
+              <a:spcAft>
+                <a:spcPts val="0"/>
+              </a:spcAft>
+              <a:buSzPts val="990"/>
+              <a:buNone/>
+            </a:pPr>
+            <a:r>
+              <a:t/>
+            </a:r>
+            <a:endParaRPr sz="3220"/>
+          </a:p>
+        </p:txBody>
+      </p:sp>
+      <p:sp>
+        <p:nvSpPr>
+          <p:cNvPr id="348" name="Google Shape;348;p24"/>
+          <p:cNvSpPr txBox="1"/>
+          <p:nvPr/>
+        </p:nvSpPr>
+        <p:spPr>
+          <a:xfrm>
+            <a:off x="616050" y="1516550"/>
+            <a:ext cx="4313100" cy="1877700"/>
+          </a:xfrm>
+          <a:prstGeom prst="rect">
+            <a:avLst/>
+          </a:prstGeom>
+          <a:noFill/>
+          <a:ln>
+            <a:noFill/>
+          </a:ln>
+        </p:spPr>
+        <p:txBody>
+          <a:bodyPr anchorCtr="0" anchor="t" bIns="91425" lIns="91425" spcFirstLastPara="1" rIns="91425" wrap="square" tIns="91425">
+            <a:spAutoFit/>
+          </a:bodyPr>
+          <a:lstStyle/>
+          <a:p>
+            <a:pPr indent="-381000" lvl="0" marL="457200" rtl="0" algn="l">
+              <a:spcBef>
+                <a:spcPts val="0"/>
+              </a:spcBef>
+              <a:spcAft>
+                <a:spcPts val="0"/>
+              </a:spcAft>
+              <a:buSzPts val="2400"/>
+              <a:buFont typeface="Nunito"/>
+              <a:buChar char="●"/>
+            </a:pPr>
+            <a:r>
+              <a:rPr lang="en" sz="2400">
+                <a:latin typeface="Nunito"/>
+                <a:ea typeface="Nunito"/>
+                <a:cs typeface="Nunito"/>
+                <a:sym typeface="Nunito"/>
+              </a:rPr>
+              <a:t>API Gateway</a:t>
+            </a:r>
+            <a:endParaRPr sz="2400">
+              <a:latin typeface="Nunito"/>
+              <a:ea typeface="Nunito"/>
+              <a:cs typeface="Nunito"/>
+              <a:sym typeface="Nunito"/>
+            </a:endParaRPr>
+          </a:p>
+          <a:p>
+            <a:pPr indent="-381000" lvl="0" marL="457200" rtl="0" algn="l">
+              <a:spcBef>
+                <a:spcPts val="0"/>
+              </a:spcBef>
+              <a:spcAft>
+                <a:spcPts val="0"/>
+              </a:spcAft>
+              <a:buSzPts val="2400"/>
+              <a:buFont typeface="Nunito"/>
+              <a:buChar char="●"/>
+            </a:pPr>
+            <a:r>
+              <a:rPr lang="en" sz="2400">
+                <a:latin typeface="Nunito"/>
+                <a:ea typeface="Nunito"/>
+                <a:cs typeface="Nunito"/>
+                <a:sym typeface="Nunito"/>
+              </a:rPr>
+              <a:t>Event collaboration</a:t>
+            </a:r>
+            <a:endParaRPr sz="2400">
+              <a:latin typeface="Nunito"/>
+              <a:ea typeface="Nunito"/>
+              <a:cs typeface="Nunito"/>
+              <a:sym typeface="Nunito"/>
+            </a:endParaRPr>
+          </a:p>
+          <a:p>
+            <a:pPr indent="-381000" lvl="0" marL="457200" rtl="0" algn="l">
+              <a:spcBef>
+                <a:spcPts val="0"/>
+              </a:spcBef>
+              <a:spcAft>
+                <a:spcPts val="0"/>
+              </a:spcAft>
+              <a:buSzPts val="2400"/>
+              <a:buFont typeface="Nunito"/>
+              <a:buChar char="●"/>
+            </a:pPr>
+            <a:r>
+              <a:rPr lang="en" sz="2400">
+                <a:latin typeface="Nunito"/>
+                <a:ea typeface="Nunito"/>
+                <a:cs typeface="Nunito"/>
+                <a:sym typeface="Nunito"/>
+              </a:rPr>
+              <a:t>Idempotent order creation</a:t>
+            </a:r>
+            <a:endParaRPr sz="2400">
+              <a:latin typeface="Nunito"/>
+              <a:ea typeface="Nunito"/>
+              <a:cs typeface="Nunito"/>
+              <a:sym typeface="Nunito"/>
+            </a:endParaRPr>
+          </a:p>
+          <a:p>
+            <a:pPr indent="-381000" lvl="0" marL="457200" rtl="0" algn="l">
+              <a:spcBef>
+                <a:spcPts val="0"/>
+              </a:spcBef>
+              <a:spcAft>
+                <a:spcPts val="0"/>
+              </a:spcAft>
+              <a:buSzPts val="2400"/>
+              <a:buFont typeface="Nunito"/>
+              <a:buChar char="●"/>
+            </a:pPr>
+            <a:r>
+              <a:rPr lang="en" sz="2400">
+                <a:latin typeface="Nunito"/>
+                <a:ea typeface="Nunito"/>
+                <a:cs typeface="Nunito"/>
+                <a:sym typeface="Nunito"/>
+              </a:rPr>
+              <a:t>Transactional outbox</a:t>
+            </a:r>
+            <a:endParaRPr sz="2400">
+              <a:latin typeface="Nunito"/>
+              <a:ea typeface="Nunito"/>
+              <a:cs typeface="Nunito"/>
+              <a:sym typeface="Nunito"/>
+            </a:endParaRPr>
+          </a:p>
+          <a:p>
+            <a:pPr indent="-317500" lvl="0" marL="457200" rtl="0" algn="l">
+              <a:spcBef>
+                <a:spcPts val="0"/>
+              </a:spcBef>
+              <a:spcAft>
+                <a:spcPts val="0"/>
+              </a:spcAft>
+              <a:buSzPts val="1400"/>
+              <a:buFont typeface="Nunito"/>
+              <a:buChar char="●"/>
+            </a:pPr>
+            <a:r>
+              <a:rPr lang="en">
+                <a:latin typeface="Nunito"/>
+                <a:ea typeface="Nunito"/>
+                <a:cs typeface="Nunito"/>
+                <a:sym typeface="Nunito"/>
+              </a:rPr>
+              <a:t>L</a:t>
+            </a:r>
+            <a:r>
+              <a:rPr lang="en">
+                <a:latin typeface="Nunito"/>
+                <a:ea typeface="Nunito"/>
+                <a:cs typeface="Nunito"/>
+                <a:sym typeface="Nunito"/>
+              </a:rPr>
+              <a:t>ong term s</a:t>
+            </a:r>
+            <a:r>
+              <a:rPr lang="en">
+                <a:latin typeface="Nunito"/>
+                <a:ea typeface="Nunito"/>
+                <a:cs typeface="Nunito"/>
+                <a:sym typeface="Nunito"/>
+              </a:rPr>
+              <a:t>aga ready</a:t>
+            </a:r>
+            <a:endParaRPr>
+              <a:latin typeface="Nunito"/>
+              <a:ea typeface="Nunito"/>
+              <a:cs typeface="Nunito"/>
+              <a:sym typeface="Nunito"/>
+            </a:endParaRPr>
+          </a:p>
+        </p:txBody>
+      </p:sp>
+      <p:pic>
+        <p:nvPicPr>
+          <p:cNvPr id="349" name="Google Shape;349;p24"/>
+          <p:cNvPicPr preferRelativeResize="0"/>
+          <p:nvPr/>
+        </p:nvPicPr>
+        <p:blipFill>
+          <a:blip r:embed="rId3">
+            <a:alphaModFix/>
+          </a:blip>
+          <a:stretch>
+            <a:fillRect/>
+          </a:stretch>
+        </p:blipFill>
+        <p:spPr>
+          <a:xfrm>
+            <a:off x="2753975" y="3010450"/>
+            <a:ext cx="6180051" cy="2257775"/>
+          </a:xfrm>
+          <a:prstGeom prst="rect">
+            <a:avLst/>
+          </a:prstGeom>
+          <a:noFill/>
+          <a:ln>
+            <a:noFill/>
+          </a:ln>
+        </p:spPr>
+      </p:pic>
+    </p:spTree>
+  </p:cSld>
+  <p:clrMapOvr>
+    <a:masterClrMapping/>
+  </p:clrMapOvr>
+</p:sld>
+</file>
+
+<file path=ppt/slides/slide13.xml><?xml version="1.0" encoding="utf-8"?>
+<p:sld xmlns:a="http://schemas.openxmlformats.org/drawingml/2006/main" xmlns:r="http://schemas.openxmlformats.org/officeDocument/2006/relationships" xmlns:mc="http://schemas.openxmlformats.org/markup-compatibility/2006" xmlns:mv="urn:schemas-microsoft-com:mac:vml" xmlns:p="http://schemas.openxmlformats.org/presentationml/2006/main" xmlns:c="http://schemas.openxmlformats.org/drawingml/2006/chart" xmlns:dgm="http://schemas.openxmlformats.org/drawingml/2006/diagram" xmlns:o="urn:schemas-microsoft-com:office:office" xmlns:v="urn:schemas-microsoft-com:vml" xmlns:pvml="urn:schemas-microsoft-com:office:powerpoint" xmlns:com="http://schemas.openxmlformats.org/drawingml/2006/compatibility" xmlns:p14="http://schemas.microsoft.com/office/powerpoint/2010/main" xmlns:p15="http://schemas.microsoft.com/office/powerpoint/2012/main" xmlns:ahyp="http://schemas.microsoft.com/office/drawing/2018/hyperlinkcolor">
+  <p:cSld>
+    <p:spTree>
+      <p:nvGrpSpPr>
+        <p:cNvPr id="353" name="Shape 353"/>
+        <p:cNvGrpSpPr/>
+        <p:nvPr/>
+      </p:nvGrpSpPr>
+      <p:grpSpPr>
+        <a:xfrm>
+          <a:off x="0" y="0"/>
+          <a:ext cx="0" cy="0"/>
+          <a:chOff x="0" y="0"/>
+          <a:chExt cx="0" cy="0"/>
+        </a:xfrm>
+      </p:grpSpPr>
+      <p:sp>
+        <p:nvSpPr>
+          <p:cNvPr id="354" name="Google Shape;354;p25"/>
+          <p:cNvSpPr txBox="1"/>
+          <p:nvPr>
+            <p:ph type="title"/>
+          </p:nvPr>
+        </p:nvSpPr>
+        <p:spPr>
+          <a:xfrm>
+            <a:off x="1303800" y="598575"/>
+            <a:ext cx="7030500" cy="999300"/>
+          </a:xfrm>
+          <a:prstGeom prst="rect">
+            <a:avLst/>
+          </a:prstGeom>
+        </p:spPr>
+        <p:txBody>
+          <a:bodyPr anchorCtr="0" anchor="t" bIns="91425" lIns="91425" spcFirstLastPara="1" rIns="91425" wrap="square" tIns="91425">
+            <a:noAutofit/>
+          </a:bodyPr>
+          <a:lstStyle/>
+          <a:p>
+            <a:pPr indent="0" lvl="0" marL="0" rtl="0" algn="l">
+              <a:spcBef>
+                <a:spcPts val="0"/>
+              </a:spcBef>
+              <a:spcAft>
+                <a:spcPts val="0"/>
+              </a:spcAft>
+              <a:buSzPts val="990"/>
+              <a:buNone/>
+            </a:pPr>
+            <a:r>
+              <a:rPr lang="en" sz="3220"/>
+              <a:t>Scale ways</a:t>
+            </a:r>
+            <a:endParaRPr sz="3220"/>
+          </a:p>
+          <a:p>
+            <a:pPr indent="0" lvl="0" marL="0" rtl="0" algn="l">
+              <a:spcBef>
+                <a:spcPts val="0"/>
+              </a:spcBef>
+              <a:spcAft>
+                <a:spcPts val="0"/>
+              </a:spcAft>
+              <a:buSzPts val="990"/>
+              <a:buNone/>
+            </a:pPr>
+            <a:r>
+              <a:t/>
+            </a:r>
+            <a:endParaRPr sz="3220"/>
+          </a:p>
+        </p:txBody>
+      </p:sp>
+      <p:sp>
+        <p:nvSpPr>
+          <p:cNvPr id="355" name="Google Shape;355;p25"/>
+          <p:cNvSpPr txBox="1"/>
+          <p:nvPr/>
+        </p:nvSpPr>
+        <p:spPr>
+          <a:xfrm>
+            <a:off x="545225" y="1502850"/>
+            <a:ext cx="4872300" cy="1293000"/>
+          </a:xfrm>
+          <a:prstGeom prst="rect">
+            <a:avLst/>
+          </a:prstGeom>
+          <a:noFill/>
+          <a:ln>
+            <a:noFill/>
+          </a:ln>
+        </p:spPr>
+        <p:txBody>
+          <a:bodyPr anchorCtr="0" anchor="t" bIns="91425" lIns="91425" spcFirstLastPara="1" rIns="91425" wrap="square" tIns="91425">
+            <a:spAutoFit/>
+          </a:bodyPr>
+          <a:lstStyle/>
+          <a:p>
+            <a:pPr indent="-381000" lvl="0" marL="457200" rtl="0" algn="l">
+              <a:spcBef>
+                <a:spcPts val="0"/>
+              </a:spcBef>
+              <a:spcAft>
+                <a:spcPts val="0"/>
+              </a:spcAft>
+              <a:buSzPts val="2400"/>
+              <a:buFont typeface="Nunito"/>
+              <a:buChar char="●"/>
+            </a:pPr>
+            <a:r>
+              <a:rPr lang="en" sz="2400">
+                <a:latin typeface="Nunito"/>
+                <a:ea typeface="Nunito"/>
+                <a:cs typeface="Nunito"/>
+                <a:sym typeface="Nunito"/>
+              </a:rPr>
+              <a:t>Shards with balancing</a:t>
+            </a:r>
+            <a:endParaRPr sz="2400">
+              <a:latin typeface="Nunito"/>
+              <a:ea typeface="Nunito"/>
+              <a:cs typeface="Nunito"/>
+              <a:sym typeface="Nunito"/>
+            </a:endParaRPr>
+          </a:p>
+          <a:p>
+            <a:pPr indent="-381000" lvl="0" marL="457200" rtl="0" algn="l">
+              <a:spcBef>
+                <a:spcPts val="0"/>
+              </a:spcBef>
+              <a:spcAft>
+                <a:spcPts val="0"/>
+              </a:spcAft>
+              <a:buSzPts val="2400"/>
+              <a:buFont typeface="Nunito"/>
+              <a:buChar char="●"/>
+            </a:pPr>
+            <a:r>
+              <a:rPr lang="en" sz="2400">
+                <a:latin typeface="Nunito"/>
+                <a:ea typeface="Nunito"/>
+                <a:cs typeface="Nunito"/>
+                <a:sym typeface="Nunito"/>
+              </a:rPr>
+              <a:t>AP database - weak consistency (Cassandra/Riak)</a:t>
+            </a:r>
+            <a:endParaRPr sz="2400">
+              <a:latin typeface="Nunito"/>
+              <a:ea typeface="Nunito"/>
+              <a:cs typeface="Nunito"/>
+              <a:sym typeface="Nunito"/>
+            </a:endParaRPr>
+          </a:p>
+        </p:txBody>
+      </p:sp>
+      <p:sp>
+        <p:nvSpPr>
+          <p:cNvPr id="356" name="Google Shape;356;p25"/>
+          <p:cNvSpPr txBox="1"/>
+          <p:nvPr/>
+        </p:nvSpPr>
+        <p:spPr>
+          <a:xfrm>
+            <a:off x="5536350" y="1597875"/>
+            <a:ext cx="3215700" cy="923400"/>
+          </a:xfrm>
+          <a:prstGeom prst="rect">
+            <a:avLst/>
+          </a:prstGeom>
+          <a:noFill/>
+          <a:ln>
+            <a:noFill/>
+          </a:ln>
+        </p:spPr>
+        <p:txBody>
+          <a:bodyPr anchorCtr="0" anchor="t" bIns="91425" lIns="91425" spcFirstLastPara="1" rIns="91425" wrap="square" tIns="91425">
+            <a:spAutoFit/>
+          </a:bodyPr>
+          <a:lstStyle/>
+          <a:p>
+            <a:pPr indent="-381000" lvl="0" marL="457200" rtl="0" algn="l">
+              <a:spcBef>
+                <a:spcPts val="0"/>
+              </a:spcBef>
+              <a:spcAft>
+                <a:spcPts val="0"/>
+              </a:spcAft>
+              <a:buSzPts val="2400"/>
+              <a:buFont typeface="Nunito"/>
+              <a:buChar char="●"/>
+            </a:pPr>
+            <a:r>
+              <a:rPr lang="en" sz="2400">
+                <a:latin typeface="Nunito"/>
+                <a:ea typeface="Nunito"/>
+                <a:cs typeface="Nunito"/>
+                <a:sym typeface="Nunito"/>
+              </a:rPr>
+              <a:t>CP - Redis</a:t>
+            </a:r>
+            <a:endParaRPr sz="2400">
+              <a:latin typeface="Nunito"/>
+              <a:ea typeface="Nunito"/>
+              <a:cs typeface="Nunito"/>
+              <a:sym typeface="Nunito"/>
+            </a:endParaRPr>
+          </a:p>
+          <a:p>
+            <a:pPr indent="-381000" lvl="0" marL="457200" rtl="0" algn="l">
+              <a:spcBef>
+                <a:spcPts val="0"/>
+              </a:spcBef>
+              <a:spcAft>
+                <a:spcPts val="0"/>
+              </a:spcAft>
+              <a:buSzPts val="2400"/>
+              <a:buFont typeface="Nunito"/>
+              <a:buChar char="●"/>
+            </a:pPr>
+            <a:r>
+              <a:rPr lang="en" sz="2400">
+                <a:latin typeface="Nunito"/>
+                <a:ea typeface="Nunito"/>
+                <a:cs typeface="Nunito"/>
+                <a:sym typeface="Nunito"/>
+              </a:rPr>
+              <a:t>VMware ha cluster </a:t>
+            </a:r>
+            <a:endParaRPr sz="2400">
+              <a:latin typeface="Nunito"/>
+              <a:ea typeface="Nunito"/>
+              <a:cs typeface="Nunito"/>
+              <a:sym typeface="Nunito"/>
+            </a:endParaRPr>
+          </a:p>
+        </p:txBody>
+      </p:sp>
+      <p:pic>
+        <p:nvPicPr>
+          <p:cNvPr id="357" name="Google Shape;357;p25"/>
+          <p:cNvPicPr preferRelativeResize="0"/>
+          <p:nvPr/>
+        </p:nvPicPr>
+        <p:blipFill>
+          <a:blip r:embed="rId3">
+            <a:alphaModFix/>
+          </a:blip>
+          <a:stretch>
+            <a:fillRect/>
+          </a:stretch>
+        </p:blipFill>
+        <p:spPr>
+          <a:xfrm>
+            <a:off x="3240300" y="2481150"/>
+            <a:ext cx="4351625" cy="2938275"/>
+          </a:xfrm>
+          <a:prstGeom prst="rect">
+            <a:avLst/>
+          </a:prstGeom>
+          <a:noFill/>
+          <a:ln>
+            <a:noFill/>
+          </a:ln>
+        </p:spPr>
+      </p:pic>
+    </p:spTree>
+  </p:cSld>
+  <p:clrMapOvr>
+    <a:masterClrMapping/>
+  </p:clrMapOvr>
+</p:sld>
+</file>
+
+<file path=ppt/slides/slide14.xml><?xml version="1.0" encoding="utf-8"?>
+<p:sld xmlns:a="http://schemas.openxmlformats.org/drawingml/2006/main" xmlns:r="http://schemas.openxmlformats.org/officeDocument/2006/relationships" xmlns:mc="http://schemas.openxmlformats.org/markup-compatibility/2006" xmlns:mv="urn:schemas-microsoft-com:mac:vml" xmlns:p="http://schemas.openxmlformats.org/presentationml/2006/main" xmlns:c="http://schemas.openxmlformats.org/drawingml/2006/chart" xmlns:dgm="http://schemas.openxmlformats.org/drawingml/2006/diagram" xmlns:o="urn:schemas-microsoft-com:office:office" xmlns:v="urn:schemas-microsoft-com:vml" xmlns:pvml="urn:schemas-microsoft-com:office:powerpoint" xmlns:com="http://schemas.openxmlformats.org/drawingml/2006/compatibility" xmlns:p14="http://schemas.microsoft.com/office/powerpoint/2010/main" xmlns:p15="http://schemas.microsoft.com/office/powerpoint/2012/main" xmlns:ahyp="http://schemas.microsoft.com/office/drawing/2018/hyperlinkcolor">
+  <p:cSld>
+    <p:spTree>
+      <p:nvGrpSpPr>
+        <p:cNvPr id="361" name="Shape 361"/>
+        <p:cNvGrpSpPr/>
+        <p:nvPr/>
+      </p:nvGrpSpPr>
+      <p:grpSpPr>
+        <a:xfrm>
+          <a:off x="0" y="0"/>
+          <a:ext cx="0" cy="0"/>
+          <a:chOff x="0" y="0"/>
+          <a:chExt cx="0" cy="0"/>
+        </a:xfrm>
+      </p:grpSpPr>
+      <p:sp>
+        <p:nvSpPr>
+          <p:cNvPr id="362" name="Google Shape;362;p26"/>
+          <p:cNvSpPr txBox="1"/>
+          <p:nvPr>
+            <p:ph type="title"/>
+          </p:nvPr>
+        </p:nvSpPr>
+        <p:spPr>
+          <a:xfrm>
+            <a:off x="824000" y="1613825"/>
+            <a:ext cx="5857800" cy="1872900"/>
+          </a:xfrm>
+          <a:prstGeom prst="rect">
+            <a:avLst/>
+          </a:prstGeom>
+        </p:spPr>
+        <p:txBody>
+          <a:bodyPr anchorCtr="0" anchor="ctr" bIns="91425" lIns="91425" spcFirstLastPara="1" rIns="91425" wrap="square" tIns="91425">
+            <a:normAutofit/>
+          </a:bodyPr>
+          <a:lstStyle/>
+          <a:p>
+            <a:pPr indent="0" lvl="0" marL="0" rtl="0" algn="l">
+              <a:spcBef>
+                <a:spcPts val="0"/>
+              </a:spcBef>
+              <a:spcAft>
+                <a:spcPts val="0"/>
+              </a:spcAft>
+              <a:buNone/>
+            </a:pPr>
+            <a:r>
+              <a:rPr lang="en"/>
+              <a:t>DEMO</a:t>
+            </a:r>
+            <a:endParaRPr/>
+          </a:p>
+        </p:txBody>
+      </p:sp>
+    </p:spTree>
+  </p:cSld>
+  <p:clrMapOvr>
+    <a:masterClrMapping/>
+  </p:clrMapOvr>
+</p:sld>
+</file>
+
+<file path=ppt/slides/slide15.xml><?xml version="1.0" encoding="utf-8"?>
+<p:sld xmlns:a="http://schemas.openxmlformats.org/drawingml/2006/main" xmlns:r="http://schemas.openxmlformats.org/officeDocument/2006/relationships" xmlns:mc="http://schemas.openxmlformats.org/markup-compatibility/2006" xmlns:mv="urn:schemas-microsoft-com:mac:vml" xmlns:p="http://schemas.openxmlformats.org/presentationml/2006/main" xmlns:c="http://schemas.openxmlformats.org/drawingml/2006/chart" xmlns:dgm="http://schemas.openxmlformats.org/drawingml/2006/diagram" xmlns:o="urn:schemas-microsoft-com:office:office" xmlns:v="urn:schemas-microsoft-com:vml" xmlns:pvml="urn:schemas-microsoft-com:office:powerpoint" xmlns:com="http://schemas.openxmlformats.org/drawingml/2006/compatibility" xmlns:p14="http://schemas.microsoft.com/office/powerpoint/2010/main" xmlns:p15="http://schemas.microsoft.com/office/powerpoint/2012/main" xmlns:ahyp="http://schemas.microsoft.com/office/drawing/2018/hyperlinkcolor">
+  <p:cSld>
+    <p:spTree>
+      <p:nvGrpSpPr>
+        <p:cNvPr id="366" name="Shape 366"/>
+        <p:cNvGrpSpPr/>
+        <p:nvPr/>
+      </p:nvGrpSpPr>
+      <p:grpSpPr>
+        <a:xfrm>
+          <a:off x="0" y="0"/>
+          <a:ext cx="0" cy="0"/>
+          <a:chOff x="0" y="0"/>
+          <a:chExt cx="0" cy="0"/>
+        </a:xfrm>
+      </p:grpSpPr>
+      <p:sp>
+        <p:nvSpPr>
+          <p:cNvPr id="367" name="Google Shape;367;p27"/>
+          <p:cNvSpPr txBox="1"/>
+          <p:nvPr>
+            <p:ph type="ctrTitle"/>
+          </p:nvPr>
+        </p:nvSpPr>
+        <p:spPr>
+          <a:xfrm>
+            <a:off x="814850" y="3002463"/>
+            <a:ext cx="4255500" cy="1872900"/>
+          </a:xfrm>
+          <a:prstGeom prst="rect">
+            <a:avLst/>
+          </a:prstGeom>
+        </p:spPr>
+        <p:txBody>
+          <a:bodyPr anchorCtr="0" anchor="ctr" bIns="91425" lIns="91425" spcFirstLastPara="1" rIns="91425" wrap="square" tIns="91425">
+            <a:normAutofit/>
+          </a:bodyPr>
+          <a:lstStyle/>
+          <a:p>
+            <a:pPr indent="0" lvl="0" marL="0" rtl="0" algn="l">
+              <a:spcBef>
+                <a:spcPts val="0"/>
+              </a:spcBef>
+              <a:spcAft>
+                <a:spcPts val="0"/>
+              </a:spcAft>
+              <a:buNone/>
+            </a:pPr>
+            <a:r>
+              <a:rPr lang="en"/>
+              <a:t>Thank you!</a:t>
+            </a:r>
+            <a:endParaRPr/>
+          </a:p>
+        </p:txBody>
+      </p:sp>
+    </p:spTree>
+  </p:cSld>
+  <p:clrMapOvr>
+    <a:masterClrMapping/>
+  </p:clrMapOvr>
+</p:sld>
+</file>
+
 <file path=ppt/slides/slide2.xml><?xml version="1.0" encoding="utf-8"?>
 <p:sld xmlns:a="http://schemas.openxmlformats.org/drawingml/2006/main" xmlns:r="http://schemas.openxmlformats.org/officeDocument/2006/relationships" xmlns:mc="http://schemas.openxmlformats.org/markup-compatibility/2006" xmlns:mv="urn:schemas-microsoft-com:mac:vml" xmlns:p="http://schemas.openxmlformats.org/presentationml/2006/main" xmlns:c="http://schemas.openxmlformats.org/drawingml/2006/chart" xmlns:dgm="http://schemas.openxmlformats.org/drawingml/2006/diagram" xmlns:o="urn:schemas-microsoft-com:office:office" xmlns:v="urn:schemas-microsoft-com:vml" xmlns:pvml="urn:schemas-microsoft-com:office:powerpoint" xmlns:com="http://schemas.openxmlformats.org/drawingml/2006/compatibility" xmlns:p14="http://schemas.microsoft.com/office/powerpoint/2010/main" xmlns:p15="http://schemas.microsoft.com/office/powerpoint/2012/main" xmlns:ahyp="http://schemas.microsoft.com/office/drawing/2018/hyperlinkcolor">
   <p:cSld>
@@ -16339,6 +18139,71 @@
         </p:nvSpPr>
         <p:spPr>
           <a:xfrm>
+            <a:off x="824000" y="1613825"/>
+            <a:ext cx="5857800" cy="1872900"/>
+          </a:xfrm>
+          <a:prstGeom prst="rect">
+            <a:avLst/>
+          </a:prstGeom>
+        </p:spPr>
+        <p:txBody>
+          <a:bodyPr anchorCtr="0" anchor="ctr" bIns="91425" lIns="91425" spcFirstLastPara="1" rIns="91425" wrap="square" tIns="91425">
+            <a:normAutofit/>
+          </a:bodyPr>
+          <a:lstStyle/>
+          <a:p>
+            <a:pPr indent="0" lvl="0" marL="0" rtl="0" algn="l">
+              <a:spcBef>
+                <a:spcPts val="0"/>
+              </a:spcBef>
+              <a:spcAft>
+                <a:spcPts val="0"/>
+              </a:spcAft>
+              <a:buNone/>
+            </a:pPr>
+            <a:r>
+              <a:rPr lang="en"/>
+              <a:t>Solution</a:t>
+            </a:r>
+            <a:endParaRPr/>
+          </a:p>
+        </p:txBody>
+      </p:sp>
+    </p:spTree>
+  </p:cSld>
+  <p:clrMapOvr>
+    <a:masterClrMapping/>
+  </p:clrMapOvr>
+</p:sld>
+</file>
+
+<file path=ppt/slides/slide6.xml><?xml version="1.0" encoding="utf-8"?>
+<p:sld xmlns:a="http://schemas.openxmlformats.org/drawingml/2006/main" xmlns:r="http://schemas.openxmlformats.org/officeDocument/2006/relationships" xmlns:mc="http://schemas.openxmlformats.org/markup-compatibility/2006" xmlns:mv="urn:schemas-microsoft-com:mac:vml" xmlns:p="http://schemas.openxmlformats.org/presentationml/2006/main" xmlns:c="http://schemas.openxmlformats.org/drawingml/2006/chart" xmlns:dgm="http://schemas.openxmlformats.org/drawingml/2006/diagram" xmlns:o="urn:schemas-microsoft-com:office:office" xmlns:v="urn:schemas-microsoft-com:vml" xmlns:pvml="urn:schemas-microsoft-com:office:powerpoint" xmlns:com="http://schemas.openxmlformats.org/drawingml/2006/compatibility" xmlns:p14="http://schemas.microsoft.com/office/powerpoint/2010/main" xmlns:p15="http://schemas.microsoft.com/office/powerpoint/2012/main" xmlns:ahyp="http://schemas.microsoft.com/office/drawing/2018/hyperlinkcolor">
+  <p:cSld>
+    <p:spTree>
+      <p:nvGrpSpPr>
+        <p:cNvPr id="307" name="Shape 307"/>
+        <p:cNvGrpSpPr/>
+        <p:nvPr/>
+      </p:nvGrpSpPr>
+      <p:grpSpPr>
+        <a:xfrm>
+          <a:off x="0" y="0"/>
+          <a:ext cx="0" cy="0"/>
+          <a:chOff x="0" y="0"/>
+          <a:chExt cx="0" cy="0"/>
+        </a:xfrm>
+      </p:grpSpPr>
+      <p:sp>
+        <p:nvSpPr>
+          <p:cNvPr id="308" name="Google Shape;308;p18"/>
+          <p:cNvSpPr txBox="1"/>
+          <p:nvPr>
+            <p:ph type="title"/>
+          </p:nvPr>
+        </p:nvSpPr>
+        <p:spPr>
+          <a:xfrm>
             <a:off x="1303800" y="598575"/>
             <a:ext cx="7030500" cy="999300"/>
           </a:xfrm>
@@ -16371,7 +18236,7 @@
       </p:sp>
       <p:pic>
         <p:nvPicPr>
-          <p:cNvPr id="304" name="Google Shape;304;p17"/>
+          <p:cNvPr id="309" name="Google Shape;309;p18"/>
           <p:cNvPicPr preferRelativeResize="0"/>
           <p:nvPr/>
         </p:nvPicPr>
@@ -16405,12 +18270,12 @@
 </p:sld>
 </file>
 
-<file path=ppt/slides/slide6.xml><?xml version="1.0" encoding="utf-8"?>
+<file path=ppt/slides/slide7.xml><?xml version="1.0" encoding="utf-8"?>
 <p:sld xmlns:a="http://schemas.openxmlformats.org/drawingml/2006/main" xmlns:r="http://schemas.openxmlformats.org/officeDocument/2006/relationships" xmlns:mc="http://schemas.openxmlformats.org/markup-compatibility/2006" xmlns:mv="urn:schemas-microsoft-com:mac:vml" xmlns:p="http://schemas.openxmlformats.org/presentationml/2006/main" xmlns:c="http://schemas.openxmlformats.org/drawingml/2006/chart" xmlns:dgm="http://schemas.openxmlformats.org/drawingml/2006/diagram" xmlns:o="urn:schemas-microsoft-com:office:office" xmlns:v="urn:schemas-microsoft-com:vml" xmlns:pvml="urn:schemas-microsoft-com:office:powerpoint" xmlns:com="http://schemas.openxmlformats.org/drawingml/2006/compatibility" xmlns:p14="http://schemas.microsoft.com/office/powerpoint/2010/main" xmlns:p15="http://schemas.microsoft.com/office/powerpoint/2012/main" xmlns:ahyp="http://schemas.microsoft.com/office/drawing/2018/hyperlinkcolor">
   <p:cSld>
     <p:spTree>
       <p:nvGrpSpPr>
-        <p:cNvPr id="308" name="Shape 308"/>
+        <p:cNvPr id="313" name="Shape 313"/>
         <p:cNvGrpSpPr/>
         <p:nvPr/>
       </p:nvGrpSpPr>
@@ -16424,7 +18289,7 @@
       </p:grpSpPr>
       <p:sp>
         <p:nvSpPr>
-          <p:cNvPr id="309" name="Google Shape;309;p18"/>
+          <p:cNvPr id="314" name="Google Shape;314;p19"/>
           <p:cNvSpPr txBox="1"/>
           <p:nvPr>
             <p:ph type="title"/>
@@ -16460,7 +18325,7 @@
             </a:r>
             <a:r>
               <a:rPr lang="en" sz="3200"/>
-              <a:t>ystem layer arch</a:t>
+              <a:t>ystem layer arch in real live</a:t>
             </a:r>
             <a:endParaRPr sz="3200"/>
           </a:p>
@@ -16468,7 +18333,7 @@
       </p:sp>
       <p:pic>
         <p:nvPicPr>
-          <p:cNvPr id="310" name="Google Shape;310;p18"/>
+          <p:cNvPr id="315" name="Google Shape;315;p19"/>
           <p:cNvPicPr preferRelativeResize="0"/>
           <p:nvPr/>
         </p:nvPicPr>
@@ -16502,12 +18367,12 @@
 </p:sld>
 </file>
 
-<file path=ppt/slides/slide7.xml><?xml version="1.0" encoding="utf-8"?>
+<file path=ppt/slides/slide8.xml><?xml version="1.0" encoding="utf-8"?>
 <p:sld xmlns:a="http://schemas.openxmlformats.org/drawingml/2006/main" xmlns:r="http://schemas.openxmlformats.org/officeDocument/2006/relationships" xmlns:mc="http://schemas.openxmlformats.org/markup-compatibility/2006" xmlns:mv="urn:schemas-microsoft-com:mac:vml" xmlns:p="http://schemas.openxmlformats.org/presentationml/2006/main" xmlns:c="http://schemas.openxmlformats.org/drawingml/2006/chart" xmlns:dgm="http://schemas.openxmlformats.org/drawingml/2006/diagram" xmlns:o="urn:schemas-microsoft-com:office:office" xmlns:v="urn:schemas-microsoft-com:vml" xmlns:pvml="urn:schemas-microsoft-com:office:powerpoint" xmlns:com="http://schemas.openxmlformats.org/drawingml/2006/compatibility" xmlns:p14="http://schemas.microsoft.com/office/powerpoint/2010/main" xmlns:p15="http://schemas.microsoft.com/office/powerpoint/2012/main" xmlns:ahyp="http://schemas.microsoft.com/office/drawing/2018/hyperlinkcolor">
   <p:cSld>
     <p:spTree>
       <p:nvGrpSpPr>
-        <p:cNvPr id="314" name="Shape 314"/>
+        <p:cNvPr id="319" name="Shape 319"/>
         <p:cNvGrpSpPr/>
         <p:nvPr/>
       </p:nvGrpSpPr>
@@ -16521,7 +18386,7 @@
       </p:grpSpPr>
       <p:sp>
         <p:nvSpPr>
-          <p:cNvPr id="315" name="Google Shape;315;p19"/>
+          <p:cNvPr id="320" name="Google Shape;320;p20"/>
           <p:cNvSpPr txBox="1"/>
           <p:nvPr>
             <p:ph type="title"/>
@@ -16562,7 +18427,7 @@
       </p:sp>
       <p:sp>
         <p:nvSpPr>
-          <p:cNvPr id="316" name="Google Shape;316;p19"/>
+          <p:cNvPr id="321" name="Google Shape;321;p20"/>
           <p:cNvSpPr txBox="1"/>
           <p:nvPr/>
         </p:nvSpPr>
@@ -16656,7 +18521,7 @@
       </p:sp>
       <p:pic>
         <p:nvPicPr>
-          <p:cNvPr id="317" name="Google Shape;317;p19"/>
+          <p:cNvPr id="322" name="Google Shape;322;p20"/>
           <p:cNvPicPr preferRelativeResize="0"/>
           <p:nvPr/>
         </p:nvPicPr>
@@ -16670,8 +18535,8 @@
         </p:blipFill>
         <p:spPr>
           <a:xfrm>
-            <a:off x="-176250" y="2280725"/>
-            <a:ext cx="9496499" cy="3056875"/>
+            <a:off x="3224975" y="2018725"/>
+            <a:ext cx="5919025" cy="3124775"/>
           </a:xfrm>
           <a:prstGeom prst="rect">
             <a:avLst/>
@@ -16690,7 +18555,516 @@
 </p:sld>
 </file>
 
+<file path=ppt/slides/slide9.xml><?xml version="1.0" encoding="utf-8"?>
+<p:sld xmlns:a="http://schemas.openxmlformats.org/drawingml/2006/main" xmlns:r="http://schemas.openxmlformats.org/officeDocument/2006/relationships" xmlns:mc="http://schemas.openxmlformats.org/markup-compatibility/2006" xmlns:mv="urn:schemas-microsoft-com:mac:vml" xmlns:p="http://schemas.openxmlformats.org/presentationml/2006/main" xmlns:c="http://schemas.openxmlformats.org/drawingml/2006/chart" xmlns:dgm="http://schemas.openxmlformats.org/drawingml/2006/diagram" xmlns:o="urn:schemas-microsoft-com:office:office" xmlns:v="urn:schemas-microsoft-com:vml" xmlns:pvml="urn:schemas-microsoft-com:office:powerpoint" xmlns:com="http://schemas.openxmlformats.org/drawingml/2006/compatibility" xmlns:p14="http://schemas.microsoft.com/office/powerpoint/2010/main" xmlns:p15="http://schemas.microsoft.com/office/powerpoint/2012/main" xmlns:ahyp="http://schemas.microsoft.com/office/drawing/2018/hyperlinkcolor">
+  <p:cSld>
+    <p:spTree>
+      <p:nvGrpSpPr>
+        <p:cNvPr id="326" name="Shape 326"/>
+        <p:cNvGrpSpPr/>
+        <p:nvPr/>
+      </p:nvGrpSpPr>
+      <p:grpSpPr>
+        <a:xfrm>
+          <a:off x="0" y="0"/>
+          <a:ext cx="0" cy="0"/>
+          <a:chOff x="0" y="0"/>
+          <a:chExt cx="0" cy="0"/>
+        </a:xfrm>
+      </p:grpSpPr>
+      <p:sp>
+        <p:nvSpPr>
+          <p:cNvPr id="327" name="Google Shape;327;p21"/>
+          <p:cNvSpPr txBox="1"/>
+          <p:nvPr>
+            <p:ph type="title"/>
+          </p:nvPr>
+        </p:nvSpPr>
+        <p:spPr>
+          <a:xfrm>
+            <a:off x="1303800" y="598575"/>
+            <a:ext cx="7030500" cy="999300"/>
+          </a:xfrm>
+          <a:prstGeom prst="rect">
+            <a:avLst/>
+          </a:prstGeom>
+        </p:spPr>
+        <p:txBody>
+          <a:bodyPr anchorCtr="0" anchor="t" bIns="91425" lIns="91425" spcFirstLastPara="1" rIns="91425" wrap="square" tIns="91425">
+            <a:noAutofit/>
+          </a:bodyPr>
+          <a:lstStyle/>
+          <a:p>
+            <a:pPr indent="0" lvl="0" marL="0" rtl="0" algn="l">
+              <a:spcBef>
+                <a:spcPts val="0"/>
+              </a:spcBef>
+              <a:spcAft>
+                <a:spcPts val="0"/>
+              </a:spcAft>
+              <a:buSzPts val="990"/>
+              <a:buNone/>
+            </a:pPr>
+            <a:r>
+              <a:rPr lang="en" sz="3220"/>
+              <a:t>User order pipeline</a:t>
+            </a:r>
+            <a:endParaRPr sz="3220"/>
+          </a:p>
+        </p:txBody>
+      </p:sp>
+      <p:pic>
+        <p:nvPicPr>
+          <p:cNvPr id="328" name="Google Shape;328;p21"/>
+          <p:cNvPicPr preferRelativeResize="0"/>
+          <p:nvPr/>
+        </p:nvPicPr>
+        <p:blipFill>
+          <a:blip r:embed="rId3">
+            <a:alphaModFix/>
+          </a:blip>
+          <a:stretch>
+            <a:fillRect/>
+          </a:stretch>
+        </p:blipFill>
+        <p:spPr>
+          <a:xfrm>
+            <a:off x="5494792" y="63975"/>
+            <a:ext cx="2758865" cy="5143500"/>
+          </a:xfrm>
+          <a:prstGeom prst="rect">
+            <a:avLst/>
+          </a:prstGeom>
+          <a:noFill/>
+          <a:ln>
+            <a:noFill/>
+          </a:ln>
+        </p:spPr>
+      </p:pic>
+      <p:sp>
+        <p:nvSpPr>
+          <p:cNvPr id="329" name="Google Shape;329;p21"/>
+          <p:cNvSpPr txBox="1"/>
+          <p:nvPr/>
+        </p:nvSpPr>
+        <p:spPr>
+          <a:xfrm>
+            <a:off x="950125" y="1671875"/>
+            <a:ext cx="4101900" cy="1662300"/>
+          </a:xfrm>
+          <a:prstGeom prst="rect">
+            <a:avLst/>
+          </a:prstGeom>
+          <a:noFill/>
+          <a:ln>
+            <a:noFill/>
+          </a:ln>
+        </p:spPr>
+        <p:txBody>
+          <a:bodyPr anchorCtr="0" anchor="t" bIns="91425" lIns="91425" spcFirstLastPara="1" rIns="91425" wrap="square" tIns="91425">
+            <a:spAutoFit/>
+          </a:bodyPr>
+          <a:lstStyle/>
+          <a:p>
+            <a:pPr indent="0" lvl="0" marL="0" rtl="0" algn="l">
+              <a:spcBef>
+                <a:spcPts val="0"/>
+              </a:spcBef>
+              <a:spcAft>
+                <a:spcPts val="0"/>
+              </a:spcAft>
+              <a:buNone/>
+            </a:pPr>
+            <a:r>
+              <a:rPr lang="en" sz="2400">
+                <a:latin typeface="Nunito"/>
+                <a:ea typeface="Nunito"/>
+                <a:cs typeface="Nunito"/>
+                <a:sym typeface="Nunito"/>
+              </a:rPr>
+              <a:t>Deposit BTC:</a:t>
+            </a:r>
+            <a:endParaRPr sz="2400">
+              <a:latin typeface="Nunito"/>
+              <a:ea typeface="Nunito"/>
+              <a:cs typeface="Nunito"/>
+              <a:sym typeface="Nunito"/>
+            </a:endParaRPr>
+          </a:p>
+          <a:p>
+            <a:pPr indent="-381000" lvl="0" marL="457200" rtl="0" algn="l">
+              <a:spcBef>
+                <a:spcPts val="0"/>
+              </a:spcBef>
+              <a:spcAft>
+                <a:spcPts val="0"/>
+              </a:spcAft>
+              <a:buSzPts val="2400"/>
+              <a:buFont typeface="Nunito"/>
+              <a:buChar char="●"/>
+            </a:pPr>
+            <a:r>
+              <a:rPr lang="en" sz="2400">
+                <a:latin typeface="Nunito"/>
+                <a:ea typeface="Nunito"/>
+                <a:cs typeface="Nunito"/>
+                <a:sym typeface="Nunito"/>
+              </a:rPr>
+              <a:t>Wallet creation</a:t>
+            </a:r>
+            <a:endParaRPr sz="2400">
+              <a:latin typeface="Nunito"/>
+              <a:ea typeface="Nunito"/>
+              <a:cs typeface="Nunito"/>
+              <a:sym typeface="Nunito"/>
+            </a:endParaRPr>
+          </a:p>
+          <a:p>
+            <a:pPr indent="-381000" lvl="0" marL="457200" rtl="0" algn="l">
+              <a:spcBef>
+                <a:spcPts val="0"/>
+              </a:spcBef>
+              <a:spcAft>
+                <a:spcPts val="0"/>
+              </a:spcAft>
+              <a:buSzPts val="2400"/>
+              <a:buFont typeface="Nunito"/>
+              <a:buChar char="●"/>
+            </a:pPr>
+            <a:r>
+              <a:rPr lang="en" sz="2400">
+                <a:latin typeface="Nunito"/>
+                <a:ea typeface="Nunito"/>
+                <a:cs typeface="Nunito"/>
+                <a:sym typeface="Nunito"/>
+              </a:rPr>
+              <a:t>Send transaction</a:t>
+            </a:r>
+            <a:endParaRPr sz="2400">
+              <a:latin typeface="Nunito"/>
+              <a:ea typeface="Nunito"/>
+              <a:cs typeface="Nunito"/>
+              <a:sym typeface="Nunito"/>
+            </a:endParaRPr>
+          </a:p>
+          <a:p>
+            <a:pPr indent="-381000" lvl="0" marL="457200" rtl="0" algn="l">
+              <a:spcBef>
+                <a:spcPts val="0"/>
+              </a:spcBef>
+              <a:spcAft>
+                <a:spcPts val="0"/>
+              </a:spcAft>
+              <a:buSzPts val="2400"/>
+              <a:buFont typeface="Nunito"/>
+              <a:buChar char="●"/>
+            </a:pPr>
+            <a:r>
+              <a:rPr lang="en" sz="2400">
+                <a:latin typeface="Nunito"/>
+                <a:ea typeface="Nunito"/>
+                <a:cs typeface="Nunito"/>
+                <a:sym typeface="Nunito"/>
+              </a:rPr>
+              <a:t>or USD exchange</a:t>
+            </a:r>
+            <a:endParaRPr sz="2400">
+              <a:latin typeface="Nunito"/>
+              <a:ea typeface="Nunito"/>
+              <a:cs typeface="Nunito"/>
+              <a:sym typeface="Nunito"/>
+            </a:endParaRPr>
+          </a:p>
+        </p:txBody>
+      </p:sp>
+    </p:spTree>
+  </p:cSld>
+  <p:clrMapOvr>
+    <a:masterClrMapping/>
+  </p:clrMapOvr>
+</p:sld>
+</file>
+
 <file path=ppt/theme/theme1.xml><?xml version="1.0" encoding="utf-8"?>
+<a:theme xmlns:a="http://schemas.openxmlformats.org/drawingml/2006/main" xmlns:r="http://schemas.openxmlformats.org/officeDocument/2006/relationships">
+  <a:themeElements>
+    <a:clrScheme name="Default">
+      <a:dk1>
+        <a:srgbClr val="000000"/>
+      </a:dk1>
+      <a:lt1>
+        <a:srgbClr val="FFFFFF"/>
+      </a:lt1>
+      <a:dk2>
+        <a:srgbClr val="158158"/>
+      </a:dk2>
+      <a:lt2>
+        <a:srgbClr val="F3F3F3"/>
+      </a:lt2>
+      <a:accent1>
+        <a:srgbClr val="058DC7"/>
+      </a:accent1>
+      <a:accent2>
+        <a:srgbClr val="50B432"/>
+      </a:accent2>
+      <a:accent3>
+        <a:srgbClr val="ED561B"/>
+      </a:accent3>
+      <a:accent4>
+        <a:srgbClr val="EDEF00"/>
+      </a:accent4>
+      <a:accent5>
+        <a:srgbClr val="24CBE5"/>
+      </a:accent5>
+      <a:accent6>
+        <a:srgbClr val="64E572"/>
+      </a:accent6>
+      <a:hlink>
+        <a:srgbClr val="2200CC"/>
+      </a:hlink>
+      <a:folHlink>
+        <a:srgbClr val="551A8B"/>
+      </a:folHlink>
+    </a:clrScheme>
+    <a:fontScheme name="Office">
+      <a:majorFont>
+        <a:latin typeface="Arial"/>
+        <a:ea typeface=""/>
+        <a:cs typeface=""/>
+        <a:font script="Jpan" typeface="ＭＳ Ｐゴシック"/>
+        <a:font script="Hang" typeface="맑은 고딕"/>
+        <a:font script="Hans" typeface="宋体"/>
+        <a:font script="Hant" typeface="新細明體"/>
+        <a:font script="Arab" typeface="Times New Roman"/>
+        <a:font script="Hebr" typeface="Times New Roman"/>
+        <a:font script="Thai" typeface="Angsana New"/>
+        <a:font script="Ethi" typeface="Nyala"/>
+        <a:font script="Beng" typeface="Vrinda"/>
+        <a:font script="Gujr" typeface="Shruti"/>
+        <a:font script="Khmr" typeface="MoolBoran"/>
+        <a:font script="Knda" typeface="Tunga"/>
+        <a:font script="Guru" typeface="Raavi"/>
+        <a:font script="Cans" typeface="Euphemia"/>
+        <a:font script="Cher" typeface="Plantagenet Cherokee"/>
+        <a:font script="Yiii" typeface="Microsoft Yi Baiti"/>
+        <a:font script="Tibt" typeface="Microsoft Himalaya"/>
+        <a:font script="Thaa" typeface="MV Boli"/>
+        <a:font script="Deva" typeface="Mangal"/>
+        <a:font script="Telu" typeface="Gautami"/>
+        <a:font script="Taml" typeface="Latha"/>
+        <a:font script="Syrc" typeface="Estrangelo Edessa"/>
+        <a:font script="Orya" typeface="Kalinga"/>
+        <a:font script="Mlym" typeface="Kartika"/>
+        <a:font script="Laoo" typeface="DokChampa"/>
+        <a:font script="Sinh" typeface="Iskoola Pota"/>
+        <a:font script="Mong" typeface="Mongolian Baiti"/>
+        <a:font script="Viet" typeface="Times New Roman"/>
+        <a:font script="Uigh" typeface="Microsoft Uighur"/>
+        <a:font script="Geor" typeface="Sylfaen"/>
+      </a:majorFont>
+      <a:minorFont>
+        <a:latin typeface="Arial"/>
+        <a:ea typeface=""/>
+        <a:cs typeface=""/>
+        <a:font script="Jpan" typeface="ＭＳ Ｐゴシック"/>
+        <a:font script="Hang" typeface="맑은 고딕"/>
+        <a:font script="Hans" typeface="宋体"/>
+        <a:font script="Hant" typeface="新細明體"/>
+        <a:font script="Arab" typeface="Arial"/>
+        <a:font script="Hebr" typeface="Arial"/>
+        <a:font script="Thai" typeface="Cordia New"/>
+        <a:font script="Ethi" typeface="Nyala"/>
+        <a:font script="Beng" typeface="Vrinda"/>
+        <a:font script="Gujr" typeface="Shruti"/>
+        <a:font script="Khmr" typeface="DaunPenh"/>
+        <a:font script="Knda" typeface="Tunga"/>
+        <a:font script="Guru" typeface="Raavi"/>
+        <a:font script="Cans" typeface="Euphemia"/>
+        <a:font script="Cher" typeface="Plantagenet Cherokee"/>
+        <a:font script="Yiii" typeface="Microsoft Yi Baiti"/>
+        <a:font script="Tibt" typeface="Microsoft Himalaya"/>
+        <a:font script="Thaa" typeface="MV Boli"/>
+        <a:font script="Deva" typeface="Mangal"/>
+        <a:font script="Telu" typeface="Gautami"/>
+        <a:font script="Taml" typeface="Latha"/>
+        <a:font script="Syrc" typeface="Estrangelo Edessa"/>
+        <a:font script="Orya" typeface="Kalinga"/>
+        <a:font script="Mlym" typeface="Kartika"/>
+        <a:font script="Laoo" typeface="DokChampa"/>
+        <a:font script="Sinh" typeface="Iskoola Pota"/>
+        <a:font script="Mong" typeface="Mongolian Baiti"/>
+        <a:font script="Viet" typeface="Arial"/>
+        <a:font script="Uigh" typeface="Microsoft Uighur"/>
+        <a:font script="Geor" typeface="Sylfaen"/>
+      </a:minorFont>
+    </a:fontScheme>
+    <a:fmtScheme name="Office">
+      <a:fillStyleLst>
+        <a:solidFill>
+          <a:schemeClr val="phClr"/>
+        </a:solidFill>
+        <a:gradFill rotWithShape="1">
+          <a:gsLst>
+            <a:gs pos="0">
+              <a:schemeClr val="phClr">
+                <a:tint val="50000"/>
+                <a:satMod val="300000"/>
+              </a:schemeClr>
+            </a:gs>
+            <a:gs pos="35000">
+              <a:schemeClr val="phClr">
+                <a:tint val="37000"/>
+                <a:satMod val="300000"/>
+              </a:schemeClr>
+            </a:gs>
+            <a:gs pos="100000">
+              <a:schemeClr val="phClr">
+                <a:tint val="15000"/>
+                <a:satMod val="350000"/>
+              </a:schemeClr>
+            </a:gs>
+          </a:gsLst>
+          <a:lin ang="16200000" scaled="1"/>
+        </a:gradFill>
+        <a:gradFill rotWithShape="1">
+          <a:gsLst>
+            <a:gs pos="0">
+              <a:schemeClr val="phClr">
+                <a:tint val="100000"/>
+                <a:shade val="100000"/>
+                <a:satMod val="130000"/>
+              </a:schemeClr>
+            </a:gs>
+            <a:gs pos="100000">
+              <a:schemeClr val="phClr">
+                <a:tint val="50000"/>
+                <a:shade val="100000"/>
+                <a:satMod val="350000"/>
+              </a:schemeClr>
+            </a:gs>
+          </a:gsLst>
+          <a:lin ang="16200000" scaled="0"/>
+        </a:gradFill>
+      </a:fillStyleLst>
+      <a:lnStyleLst>
+        <a:ln w="9525" cap="flat" cmpd="sng" algn="ctr">
+          <a:solidFill>
+            <a:schemeClr val="phClr">
+              <a:shade val="95000"/>
+              <a:satMod val="105000"/>
+            </a:schemeClr>
+          </a:solidFill>
+          <a:prstDash val="solid"/>
+        </a:ln>
+        <a:ln w="25400" cap="flat" cmpd="sng" algn="ctr">
+          <a:solidFill>
+            <a:schemeClr val="phClr"/>
+          </a:solidFill>
+          <a:prstDash val="solid"/>
+        </a:ln>
+        <a:ln w="38100" cap="flat" cmpd="sng" algn="ctr">
+          <a:solidFill>
+            <a:schemeClr val="phClr"/>
+          </a:solidFill>
+          <a:prstDash val="solid"/>
+        </a:ln>
+      </a:lnStyleLst>
+      <a:effectStyleLst>
+        <a:effectStyle>
+          <a:effectLst>
+            <a:outerShdw blurRad="40000" dist="20000" dir="5400000" rotWithShape="0">
+              <a:srgbClr val="000000">
+                <a:alpha val="38000"/>
+              </a:srgbClr>
+            </a:outerShdw>
+          </a:effectLst>
+        </a:effectStyle>
+        <a:effectStyle>
+          <a:effectLst>
+            <a:outerShdw blurRad="40000" dist="23000" dir="5400000" rotWithShape="0">
+              <a:srgbClr val="000000">
+                <a:alpha val="35000"/>
+              </a:srgbClr>
+            </a:outerShdw>
+          </a:effectLst>
+        </a:effectStyle>
+        <a:effectStyle>
+          <a:effectLst>
+            <a:outerShdw blurRad="40000" dist="23000" dir="5400000" rotWithShape="0">
+              <a:srgbClr val="000000">
+                <a:alpha val="35000"/>
+              </a:srgbClr>
+            </a:outerShdw>
+          </a:effectLst>
+          <a:scene3d>
+            <a:camera prst="orthographicFront">
+              <a:rot lat="0" lon="0" rev="0"/>
+            </a:camera>
+            <a:lightRig rig="threePt" dir="t">
+              <a:rot lat="0" lon="0" rev="1200000"/>
+            </a:lightRig>
+          </a:scene3d>
+          <a:sp3d>
+            <a:bevelT w="63500" h="25400"/>
+          </a:sp3d>
+        </a:effectStyle>
+      </a:effectStyleLst>
+      <a:bgFillStyleLst>
+        <a:solidFill>
+          <a:schemeClr val="phClr"/>
+        </a:solidFill>
+        <a:gradFill rotWithShape="1">
+          <a:gsLst>
+            <a:gs pos="0">
+              <a:schemeClr val="phClr">
+                <a:tint val="40000"/>
+                <a:satMod val="350000"/>
+              </a:schemeClr>
+            </a:gs>
+            <a:gs pos="40000">
+              <a:schemeClr val="phClr">
+                <a:tint val="45000"/>
+                <a:shade val="99000"/>
+                <a:satMod val="350000"/>
+              </a:schemeClr>
+            </a:gs>
+            <a:gs pos="100000">
+              <a:schemeClr val="phClr">
+                <a:shade val="20000"/>
+                <a:satMod val="255000"/>
+              </a:schemeClr>
+            </a:gs>
+          </a:gsLst>
+          <a:path path="circle">
+            <a:fillToRect l="50000" t="-80000" r="50000" b="180000"/>
+          </a:path>
+        </a:gradFill>
+        <a:gradFill rotWithShape="1">
+          <a:gsLst>
+            <a:gs pos="0">
+              <a:schemeClr val="phClr">
+                <a:tint val="80000"/>
+                <a:satMod val="300000"/>
+              </a:schemeClr>
+            </a:gs>
+            <a:gs pos="100000">
+              <a:schemeClr val="phClr">
+                <a:shade val="30000"/>
+                <a:satMod val="200000"/>
+              </a:schemeClr>
+            </a:gs>
+          </a:gsLst>
+          <a:path path="circle">
+            <a:fillToRect l="50000" t="50000" r="50000" b="50000"/>
+          </a:path>
+        </a:gradFill>
+      </a:bgFillStyleLst>
+    </a:fmtScheme>
+  </a:themeElements>
+</a:theme>
+</file>
+
+<file path=ppt/theme/theme2.xml><?xml version="1.0" encoding="utf-8"?>
 <a:theme xmlns:a="http://schemas.openxmlformats.org/drawingml/2006/main" xmlns:r="http://schemas.openxmlformats.org/officeDocument/2006/relationships" name="Momentum">
   <a:themeElements>
     <a:clrScheme name="Momentum">
@@ -16967,283 +19341,4 @@
     </a:fmtScheme>
   </a:themeElements>
 </a:theme>
-</file>
-
-<file path=ppt/theme/theme2.xml><?xml version="1.0" encoding="utf-8"?>
-<a:theme xmlns:a="http://schemas.openxmlformats.org/drawingml/2006/main" xmlns:r="http://schemas.openxmlformats.org/officeDocument/2006/relationships">
-  <a:themeElements>
-    <a:clrScheme name="Default">
-      <a:dk1>
-        <a:srgbClr val="000000"/>
-      </a:dk1>
-      <a:lt1>
-        <a:srgbClr val="FFFFFF"/>
-      </a:lt1>
-      <a:dk2>
-        <a:srgbClr val="158158"/>
-      </a:dk2>
-      <a:lt2>
-        <a:srgbClr val="F3F3F3"/>
-      </a:lt2>
-      <a:accent1>
-        <a:srgbClr val="058DC7"/>
-      </a:accent1>
-      <a:accent2>
-        <a:srgbClr val="50B432"/>
-      </a:accent2>
-      <a:accent3>
-        <a:srgbClr val="ED561B"/>
-      </a:accent3>
-      <a:accent4>
-        <a:srgbClr val="EDEF00"/>
-      </a:accent4>
-      <a:accent5>
-        <a:srgbClr val="24CBE5"/>
-      </a:accent5>
-      <a:accent6>
-        <a:srgbClr val="64E572"/>
-      </a:accent6>
-      <a:hlink>
-        <a:srgbClr val="2200CC"/>
-      </a:hlink>
-      <a:folHlink>
-        <a:srgbClr val="551A8B"/>
-      </a:folHlink>
-    </a:clrScheme>
-    <a:fontScheme name="Office">
-      <a:majorFont>
-        <a:latin typeface="Arial"/>
-        <a:ea typeface=""/>
-        <a:cs typeface=""/>
-        <a:font script="Jpan" typeface="ＭＳ Ｐゴシック"/>
-        <a:font script="Hang" typeface="맑은 고딕"/>
-        <a:font script="Hans" typeface="宋体"/>
-        <a:font script="Hant" typeface="新細明體"/>
-        <a:font script="Arab" typeface="Times New Roman"/>
-        <a:font script="Hebr" typeface="Times New Roman"/>
-        <a:font script="Thai" typeface="Angsana New"/>
-        <a:font script="Ethi" typeface="Nyala"/>
-        <a:font script="Beng" typeface="Vrinda"/>
-        <a:font script="Gujr" typeface="Shruti"/>
-        <a:font script="Khmr" typeface="MoolBoran"/>
-        <a:font script="Knda" typeface="Tunga"/>
-        <a:font script="Guru" typeface="Raavi"/>
-        <a:font script="Cans" typeface="Euphemia"/>
-        <a:font script="Cher" typeface="Plantagenet Cherokee"/>
-        <a:font script="Yiii" typeface="Microsoft Yi Baiti"/>
-        <a:font script="Tibt" typeface="Microsoft Himalaya"/>
-        <a:font script="Thaa" typeface="MV Boli"/>
-        <a:font script="Deva" typeface="Mangal"/>
-        <a:font script="Telu" typeface="Gautami"/>
-        <a:font script="Taml" typeface="Latha"/>
-        <a:font script="Syrc" typeface="Estrangelo Edessa"/>
-        <a:font script="Orya" typeface="Kalinga"/>
-        <a:font script="Mlym" typeface="Kartika"/>
-        <a:font script="Laoo" typeface="DokChampa"/>
-        <a:font script="Sinh" typeface="Iskoola Pota"/>
-        <a:font script="Mong" typeface="Mongolian Baiti"/>
-        <a:font script="Viet" typeface="Times New Roman"/>
-        <a:font script="Uigh" typeface="Microsoft Uighur"/>
-        <a:font script="Geor" typeface="Sylfaen"/>
-      </a:majorFont>
-      <a:minorFont>
-        <a:latin typeface="Arial"/>
-        <a:ea typeface=""/>
-        <a:cs typeface=""/>
-        <a:font script="Jpan" typeface="ＭＳ Ｐゴシック"/>
-        <a:font script="Hang" typeface="맑은 고딕"/>
-        <a:font script="Hans" typeface="宋体"/>
-        <a:font script="Hant" typeface="新細明體"/>
-        <a:font script="Arab" typeface="Arial"/>
-        <a:font script="Hebr" typeface="Arial"/>
-        <a:font script="Thai" typeface="Cordia New"/>
-        <a:font script="Ethi" typeface="Nyala"/>
-        <a:font script="Beng" typeface="Vrinda"/>
-        <a:font script="Gujr" typeface="Shruti"/>
-        <a:font script="Khmr" typeface="DaunPenh"/>
-        <a:font script="Knda" typeface="Tunga"/>
-        <a:font script="Guru" typeface="Raavi"/>
-        <a:font script="Cans" typeface="Euphemia"/>
-        <a:font script="Cher" typeface="Plantagenet Cherokee"/>
-        <a:font script="Yiii" typeface="Microsoft Yi Baiti"/>
-        <a:font script="Tibt" typeface="Microsoft Himalaya"/>
-        <a:font script="Thaa" typeface="MV Boli"/>
-        <a:font script="Deva" typeface="Mangal"/>
-        <a:font script="Telu" typeface="Gautami"/>
-        <a:font script="Taml" typeface="Latha"/>
-        <a:font script="Syrc" typeface="Estrangelo Edessa"/>
-        <a:font script="Orya" typeface="Kalinga"/>
-        <a:font script="Mlym" typeface="Kartika"/>
-        <a:font script="Laoo" typeface="DokChampa"/>
-        <a:font script="Sinh" typeface="Iskoola Pota"/>
-        <a:font script="Mong" typeface="Mongolian Baiti"/>
-        <a:font script="Viet" typeface="Arial"/>
-        <a:font script="Uigh" typeface="Microsoft Uighur"/>
-        <a:font script="Geor" typeface="Sylfaen"/>
-      </a:minorFont>
-    </a:fontScheme>
-    <a:fmtScheme name="Office">
-      <a:fillStyleLst>
-        <a:solidFill>
-          <a:schemeClr val="phClr"/>
-        </a:solidFill>
-        <a:gradFill rotWithShape="1">
-          <a:gsLst>
-            <a:gs pos="0">
-              <a:schemeClr val="phClr">
-                <a:tint val="50000"/>
-                <a:satMod val="300000"/>
-              </a:schemeClr>
-            </a:gs>
-            <a:gs pos="35000">
-              <a:schemeClr val="phClr">
-                <a:tint val="37000"/>
-                <a:satMod val="300000"/>
-              </a:schemeClr>
-            </a:gs>
-            <a:gs pos="100000">
-              <a:schemeClr val="phClr">
-                <a:tint val="15000"/>
-                <a:satMod val="350000"/>
-              </a:schemeClr>
-            </a:gs>
-          </a:gsLst>
-          <a:lin ang="16200000" scaled="1"/>
-        </a:gradFill>
-        <a:gradFill rotWithShape="1">
-          <a:gsLst>
-            <a:gs pos="0">
-              <a:schemeClr val="phClr">
-                <a:tint val="100000"/>
-                <a:shade val="100000"/>
-                <a:satMod val="130000"/>
-              </a:schemeClr>
-            </a:gs>
-            <a:gs pos="100000">
-              <a:schemeClr val="phClr">
-                <a:tint val="50000"/>
-                <a:shade val="100000"/>
-                <a:satMod val="350000"/>
-              </a:schemeClr>
-            </a:gs>
-          </a:gsLst>
-          <a:lin ang="16200000" scaled="0"/>
-        </a:gradFill>
-      </a:fillStyleLst>
-      <a:lnStyleLst>
-        <a:ln w="9525" cap="flat" cmpd="sng" algn="ctr">
-          <a:solidFill>
-            <a:schemeClr val="phClr">
-              <a:shade val="95000"/>
-              <a:satMod val="105000"/>
-            </a:schemeClr>
-          </a:solidFill>
-          <a:prstDash val="solid"/>
-        </a:ln>
-        <a:ln w="25400" cap="flat" cmpd="sng" algn="ctr">
-          <a:solidFill>
-            <a:schemeClr val="phClr"/>
-          </a:solidFill>
-          <a:prstDash val="solid"/>
-        </a:ln>
-        <a:ln w="38100" cap="flat" cmpd="sng" algn="ctr">
-          <a:solidFill>
-            <a:schemeClr val="phClr"/>
-          </a:solidFill>
-          <a:prstDash val="solid"/>
-        </a:ln>
-      </a:lnStyleLst>
-      <a:effectStyleLst>
-        <a:effectStyle>
-          <a:effectLst>
-            <a:outerShdw blurRad="40000" dist="20000" dir="5400000" rotWithShape="0">
-              <a:srgbClr val="000000">
-                <a:alpha val="38000"/>
-              </a:srgbClr>
-            </a:outerShdw>
-          </a:effectLst>
-        </a:effectStyle>
-        <a:effectStyle>
-          <a:effectLst>
-            <a:outerShdw blurRad="40000" dist="23000" dir="5400000" rotWithShape="0">
-              <a:srgbClr val="000000">
-                <a:alpha val="35000"/>
-              </a:srgbClr>
-            </a:outerShdw>
-          </a:effectLst>
-        </a:effectStyle>
-        <a:effectStyle>
-          <a:effectLst>
-            <a:outerShdw blurRad="40000" dist="23000" dir="5400000" rotWithShape="0">
-              <a:srgbClr val="000000">
-                <a:alpha val="35000"/>
-              </a:srgbClr>
-            </a:outerShdw>
-          </a:effectLst>
-          <a:scene3d>
-            <a:camera prst="orthographicFront">
-              <a:rot lat="0" lon="0" rev="0"/>
-            </a:camera>
-            <a:lightRig rig="threePt" dir="t">
-              <a:rot lat="0" lon="0" rev="1200000"/>
-            </a:lightRig>
-          </a:scene3d>
-          <a:sp3d>
-            <a:bevelT w="63500" h="25400"/>
-          </a:sp3d>
-        </a:effectStyle>
-      </a:effectStyleLst>
-      <a:bgFillStyleLst>
-        <a:solidFill>
-          <a:schemeClr val="phClr"/>
-        </a:solidFill>
-        <a:gradFill rotWithShape="1">
-          <a:gsLst>
-            <a:gs pos="0">
-              <a:schemeClr val="phClr">
-                <a:tint val="40000"/>
-                <a:satMod val="350000"/>
-              </a:schemeClr>
-            </a:gs>
-            <a:gs pos="40000">
-              <a:schemeClr val="phClr">
-                <a:tint val="45000"/>
-                <a:shade val="99000"/>
-                <a:satMod val="350000"/>
-              </a:schemeClr>
-            </a:gs>
-            <a:gs pos="100000">
-              <a:schemeClr val="phClr">
-                <a:shade val="20000"/>
-                <a:satMod val="255000"/>
-              </a:schemeClr>
-            </a:gs>
-          </a:gsLst>
-          <a:path path="circle">
-            <a:fillToRect l="50000" t="-80000" r="50000" b="180000"/>
-          </a:path>
-        </a:gradFill>
-        <a:gradFill rotWithShape="1">
-          <a:gsLst>
-            <a:gs pos="0">
-              <a:schemeClr val="phClr">
-                <a:tint val="80000"/>
-                <a:satMod val="300000"/>
-              </a:schemeClr>
-            </a:gs>
-            <a:gs pos="100000">
-              <a:schemeClr val="phClr">
-                <a:shade val="30000"/>
-                <a:satMod val="200000"/>
-              </a:schemeClr>
-            </a:gs>
-          </a:gsLst>
-          <a:path path="circle">
-            <a:fillToRect l="50000" t="50000" r="50000" b="50000"/>
-          </a:path>
-        </a:gradFill>
-      </a:bgFillStyleLst>
-    </a:fmtScheme>
-  </a:themeElements>
-</a:theme>
 </file>